--- a/rel-electro-immersif-originals/interrupteur.pptx
+++ b/rel-electro-immersif-originals/interrupteur.pptx
@@ -6,16 +6,7 @@
   </p:sldMasterIdLst>
   <p:sldIdLst>
     <p:sldId id="3038" r:id="rId2"/>
-    <p:sldId id="3039" r:id="rId3"/>
-    <p:sldId id="2848" r:id="rId4"/>
-    <p:sldId id="2886" r:id="rId5"/>
-    <p:sldId id="2851" r:id="rId6"/>
-    <p:sldId id="2884" r:id="rId7"/>
-    <p:sldId id="2888" r:id="rId8"/>
-    <p:sldId id="2890" r:id="rId9"/>
-    <p:sldId id="2891" r:id="rId10"/>
-    <p:sldId id="2892" r:id="rId11"/>
-    <p:sldId id="2893" r:id="rId12"/>
+    <p:sldId id="2893" r:id="rId3"/>
   </p:sldIdLst>
   <p:sldSz cx="12192000" cy="6858000"/>
   <p:notesSz cx="6858000" cy="9144000"/>
@@ -125,7 +116,7 @@
 <file path=ppt/revisionInfo.xml><?xml version="1.0" encoding="utf-8"?>
 <p1510:revInfo xmlns:a="http://schemas.openxmlformats.org/drawingml/2006/main" xmlns:r="http://schemas.openxmlformats.org/officeDocument/2006/relationships" xmlns:p1510="http://schemas.microsoft.com/office/powerpoint/2015/10/main">
   <p1510:revLst>
-    <p1510:client id="{0070C532-8D39-4810-9AFC-FBE77E81F1D7}" v="5" dt="2022-09-12T20:20:53.802"/>
+    <p1510:client id="{0070C532-8D39-4810-9AFC-FBE77E81F1D7}" v="7" dt="2022-09-13T22:51:29.020"/>
   </p1510:revLst>
 </p1510:revInfo>
 </file>
@@ -134,8 +125,8 @@
 <pc:chgInfo xmlns:a="http://schemas.openxmlformats.org/drawingml/2006/main" xmlns:r="http://schemas.openxmlformats.org/officeDocument/2006/relationships" xmlns:ac="http://schemas.microsoft.com/office/drawing/2013/main/command" xmlns:pc="http://schemas.microsoft.com/office/powerpoint/2013/main/command">
   <pc:docChgLst>
     <pc:chgData name="Thomas O Fredericks" userId="9a40f032a9b16fc7" providerId="LiveId" clId="{0070C532-8D39-4810-9AFC-FBE77E81F1D7}"/>
-    <pc:docChg chg="addSld delSld modSld">
-      <pc:chgData name="Thomas O Fredericks" userId="9a40f032a9b16fc7" providerId="LiveId" clId="{0070C532-8D39-4810-9AFC-FBE77E81F1D7}" dt="2022-09-12T20:20:53.801" v="5"/>
+    <pc:docChg chg="custSel addSld delSld modSld sldOrd">
+      <pc:chgData name="Thomas O Fredericks" userId="9a40f032a9b16fc7" providerId="LiveId" clId="{0070C532-8D39-4810-9AFC-FBE77E81F1D7}" dt="2022-09-13T22:59:36.159" v="30" actId="2696"/>
       <pc:docMkLst>
         <pc:docMk/>
       </pc:docMkLst>
@@ -146,25 +137,60 @@
           <pc:sldMk cId="1698000687" sldId="256"/>
         </pc:sldMkLst>
       </pc:sldChg>
-      <pc:sldChg chg="add">
-        <pc:chgData name="Thomas O Fredericks" userId="9a40f032a9b16fc7" providerId="LiveId" clId="{0070C532-8D39-4810-9AFC-FBE77E81F1D7}" dt="2022-09-12T20:20:42.382" v="3"/>
+      <pc:sldChg chg="add del">
+        <pc:chgData name="Thomas O Fredericks" userId="9a40f032a9b16fc7" providerId="LiveId" clId="{0070C532-8D39-4810-9AFC-FBE77E81F1D7}" dt="2022-09-13T22:59:34.419" v="23" actId="2696"/>
         <pc:sldMkLst>
           <pc:docMk/>
           <pc:sldMk cId="537445708" sldId="2848"/>
         </pc:sldMkLst>
       </pc:sldChg>
-      <pc:sldChg chg="add">
-        <pc:chgData name="Thomas O Fredericks" userId="9a40f032a9b16fc7" providerId="LiveId" clId="{0070C532-8D39-4810-9AFC-FBE77E81F1D7}" dt="2022-09-12T20:20:53.801" v="5"/>
+      <pc:sldChg chg="add del">
+        <pc:chgData name="Thomas O Fredericks" userId="9a40f032a9b16fc7" providerId="LiveId" clId="{0070C532-8D39-4810-9AFC-FBE77E81F1D7}" dt="2022-09-13T22:40:46.418" v="8" actId="2696"/>
         <pc:sldMkLst>
           <pc:docMk/>
           <pc:sldMk cId="4117852690" sldId="2851"/>
         </pc:sldMkLst>
       </pc:sldChg>
-      <pc:sldChg chg="add">
-        <pc:chgData name="Thomas O Fredericks" userId="9a40f032a9b16fc7" providerId="LiveId" clId="{0070C532-8D39-4810-9AFC-FBE77E81F1D7}" dt="2022-09-12T20:20:44.844" v="4"/>
+      <pc:sldChg chg="del">
+        <pc:chgData name="Thomas O Fredericks" userId="9a40f032a9b16fc7" providerId="LiveId" clId="{0070C532-8D39-4810-9AFC-FBE77E81F1D7}" dt="2022-09-13T22:59:34.423" v="24" actId="2696"/>
+        <pc:sldMkLst>
+          <pc:docMk/>
+          <pc:sldMk cId="1113188137" sldId="2884"/>
+        </pc:sldMkLst>
+      </pc:sldChg>
+      <pc:sldChg chg="add del">
+        <pc:chgData name="Thomas O Fredericks" userId="9a40f032a9b16fc7" providerId="LiveId" clId="{0070C532-8D39-4810-9AFC-FBE77E81F1D7}" dt="2022-09-13T22:40:38.023" v="7" actId="2696"/>
         <pc:sldMkLst>
           <pc:docMk/>
           <pc:sldMk cId="3713269728" sldId="2886"/>
+        </pc:sldMkLst>
+      </pc:sldChg>
+      <pc:sldChg chg="del">
+        <pc:chgData name="Thomas O Fredericks" userId="9a40f032a9b16fc7" providerId="LiveId" clId="{0070C532-8D39-4810-9AFC-FBE77E81F1D7}" dt="2022-09-13T22:59:34.426" v="25" actId="2696"/>
+        <pc:sldMkLst>
+          <pc:docMk/>
+          <pc:sldMk cId="3545522467" sldId="2888"/>
+        </pc:sldMkLst>
+      </pc:sldChg>
+      <pc:sldChg chg="del">
+        <pc:chgData name="Thomas O Fredericks" userId="9a40f032a9b16fc7" providerId="LiveId" clId="{0070C532-8D39-4810-9AFC-FBE77E81F1D7}" dt="2022-09-13T22:59:34.430" v="26" actId="2696"/>
+        <pc:sldMkLst>
+          <pc:docMk/>
+          <pc:sldMk cId="3649137254" sldId="2890"/>
+        </pc:sldMkLst>
+      </pc:sldChg>
+      <pc:sldChg chg="del">
+        <pc:chgData name="Thomas O Fredericks" userId="9a40f032a9b16fc7" providerId="LiveId" clId="{0070C532-8D39-4810-9AFC-FBE77E81F1D7}" dt="2022-09-13T22:59:34.433" v="27" actId="2696"/>
+        <pc:sldMkLst>
+          <pc:docMk/>
+          <pc:sldMk cId="2848496149" sldId="2891"/>
+        </pc:sldMkLst>
+      </pc:sldChg>
+      <pc:sldChg chg="del">
+        <pc:chgData name="Thomas O Fredericks" userId="9a40f032a9b16fc7" providerId="LiveId" clId="{0070C532-8D39-4810-9AFC-FBE77E81F1D7}" dt="2022-09-13T22:59:34.438" v="28" actId="2696"/>
+        <pc:sldMkLst>
+          <pc:docMk/>
+          <pc:sldMk cId="4093696693" sldId="2892"/>
         </pc:sldMkLst>
       </pc:sldChg>
       <pc:sldChg chg="add">
@@ -174,13 +200,84 @@
           <pc:sldMk cId="204711536" sldId="3038"/>
         </pc:sldMkLst>
       </pc:sldChg>
-      <pc:sldChg chg="add">
-        <pc:chgData name="Thomas O Fredericks" userId="9a40f032a9b16fc7" providerId="LiveId" clId="{0070C532-8D39-4810-9AFC-FBE77E81F1D7}" dt="2022-09-12T18:58:28.179" v="1"/>
+      <pc:sldChg chg="addSp delSp modSp add del ord">
+        <pc:chgData name="Thomas O Fredericks" userId="9a40f032a9b16fc7" providerId="LiveId" clId="{0070C532-8D39-4810-9AFC-FBE77E81F1D7}" dt="2022-09-13T22:59:36.159" v="30" actId="2696"/>
         <pc:sldMkLst>
           <pc:docMk/>
           <pc:sldMk cId="3657096660" sldId="3039"/>
         </pc:sldMkLst>
+        <pc:spChg chg="mod">
+          <ac:chgData name="Thomas O Fredericks" userId="9a40f032a9b16fc7" providerId="LiveId" clId="{0070C532-8D39-4810-9AFC-FBE77E81F1D7}" dt="2022-09-13T22:51:29.020" v="18" actId="164"/>
+          <ac:spMkLst>
+            <pc:docMk/>
+            <pc:sldMk cId="3657096660" sldId="3039"/>
+            <ac:spMk id="4" creationId="{A71FE1DE-A0E5-477C-9911-00E0440F7305}"/>
+          </ac:spMkLst>
+        </pc:spChg>
+        <pc:spChg chg="add del mod">
+          <ac:chgData name="Thomas O Fredericks" userId="9a40f032a9b16fc7" providerId="LiveId" clId="{0070C532-8D39-4810-9AFC-FBE77E81F1D7}" dt="2022-09-13T22:50:56.254" v="11" actId="478"/>
+          <ac:spMkLst>
+            <pc:docMk/>
+            <pc:sldMk cId="3657096660" sldId="3039"/>
+            <ac:spMk id="5" creationId="{9BD82C91-73FB-4F44-A608-71964C42B339}"/>
+          </ac:spMkLst>
+        </pc:spChg>
+        <pc:spChg chg="del">
+          <ac:chgData name="Thomas O Fredericks" userId="9a40f032a9b16fc7" providerId="LiveId" clId="{0070C532-8D39-4810-9AFC-FBE77E81F1D7}" dt="2022-09-13T22:50:52.178" v="9" actId="478"/>
+          <ac:spMkLst>
+            <pc:docMk/>
+            <pc:sldMk cId="3657096660" sldId="3039"/>
+            <ac:spMk id="7" creationId="{42C10F38-8247-4F6E-B365-EB0CBA01584C}"/>
+          </ac:spMkLst>
+        </pc:spChg>
+        <pc:spChg chg="mod">
+          <ac:chgData name="Thomas O Fredericks" userId="9a40f032a9b16fc7" providerId="LiveId" clId="{0070C532-8D39-4810-9AFC-FBE77E81F1D7}" dt="2022-09-13T22:51:29.020" v="18" actId="164"/>
+          <ac:spMkLst>
+            <pc:docMk/>
+            <pc:sldMk cId="3657096660" sldId="3039"/>
+            <ac:spMk id="20" creationId="{73810C94-89E7-4100-9624-06951B2ED7C2}"/>
+          </ac:spMkLst>
+        </pc:spChg>
+        <pc:spChg chg="mod">
+          <ac:chgData name="Thomas O Fredericks" userId="9a40f032a9b16fc7" providerId="LiveId" clId="{0070C532-8D39-4810-9AFC-FBE77E81F1D7}" dt="2022-09-13T22:51:29.020" v="18" actId="164"/>
+          <ac:spMkLst>
+            <pc:docMk/>
+            <pc:sldMk cId="3657096660" sldId="3039"/>
+            <ac:spMk id="21" creationId="{EC3CBFAE-52AB-4002-AE62-20AEB5C22358}"/>
+          </ac:spMkLst>
+        </pc:spChg>
+        <pc:grpChg chg="add mod">
+          <ac:chgData name="Thomas O Fredericks" userId="9a40f032a9b16fc7" providerId="LiveId" clId="{0070C532-8D39-4810-9AFC-FBE77E81F1D7}" dt="2022-09-13T22:51:42.964" v="22" actId="1037"/>
+          <ac:grpSpMkLst>
+            <pc:docMk/>
+            <pc:sldMk cId="3657096660" sldId="3039"/>
+            <ac:grpSpMk id="6" creationId="{5D614D0C-A6C2-4C97-B751-7AE5228FF1A8}"/>
+          </ac:grpSpMkLst>
+        </pc:grpChg>
+        <pc:picChg chg="mod">
+          <ac:chgData name="Thomas O Fredericks" userId="9a40f032a9b16fc7" providerId="LiveId" clId="{0070C532-8D39-4810-9AFC-FBE77E81F1D7}" dt="2022-09-13T22:51:29.020" v="18" actId="164"/>
+          <ac:picMkLst>
+            <pc:docMk/>
+            <pc:sldMk cId="3657096660" sldId="3039"/>
+            <ac:picMk id="3" creationId="{E892550C-22C5-4864-8999-9ED0E6285E19}"/>
+          </ac:picMkLst>
+        </pc:picChg>
       </pc:sldChg>
+      <pc:sldMasterChg chg="delSldLayout">
+        <pc:chgData name="Thomas O Fredericks" userId="9a40f032a9b16fc7" providerId="LiveId" clId="{0070C532-8D39-4810-9AFC-FBE77E81F1D7}" dt="2022-09-13T22:59:34.438" v="29" actId="2696"/>
+        <pc:sldMasterMkLst>
+          <pc:docMk/>
+          <pc:sldMasterMk cId="4228347301" sldId="2147483648"/>
+        </pc:sldMasterMkLst>
+        <pc:sldLayoutChg chg="del">
+          <pc:chgData name="Thomas O Fredericks" userId="9a40f032a9b16fc7" providerId="LiveId" clId="{0070C532-8D39-4810-9AFC-FBE77E81F1D7}" dt="2022-09-13T22:59:34.438" v="29" actId="2696"/>
+          <pc:sldLayoutMkLst>
+            <pc:docMk/>
+            <pc:sldMasterMk cId="4228347301" sldId="2147483648"/>
+            <pc:sldLayoutMk cId="3418363814" sldId="2147483660"/>
+          </pc:sldLayoutMkLst>
+        </pc:sldLayoutChg>
+      </pc:sldMasterChg>
     </pc:docChg>
   </pc:docChgLst>
 </pc:chgInfo>
@@ -335,7 +432,7 @@
           <a:p>
             <a:fld id="{DCDD5F17-F228-4C32-BB08-C02CB1CDA8CD}" type="datetimeFigureOut">
               <a:rPr lang="fr-CA" smtClean="0"/>
-              <a:t>2022-09-12</a:t>
+              <a:t>2022-09-13</a:t>
             </a:fld>
             <a:endParaRPr lang="fr-CA"/>
           </a:p>
@@ -535,7 +632,7 @@
           <a:p>
             <a:fld id="{DCDD5F17-F228-4C32-BB08-C02CB1CDA8CD}" type="datetimeFigureOut">
               <a:rPr lang="fr-CA" smtClean="0"/>
-              <a:t>2022-09-12</a:t>
+              <a:t>2022-09-13</a:t>
             </a:fld>
             <a:endParaRPr lang="fr-CA"/>
           </a:p>
@@ -745,7 +842,7 @@
           <a:p>
             <a:fld id="{DCDD5F17-F228-4C32-BB08-C02CB1CDA8CD}" type="datetimeFigureOut">
               <a:rPr lang="fr-CA" smtClean="0"/>
-              <a:t>2022-09-12</a:t>
+              <a:t>2022-09-13</a:t>
             </a:fld>
             <a:endParaRPr lang="fr-CA"/>
           </a:p>
@@ -809,103 +906,6 @@
     <p:extLst>
       <p:ext uri="{BB962C8B-B14F-4D97-AF65-F5344CB8AC3E}">
         <p14:creationId xmlns:p14="http://schemas.microsoft.com/office/powerpoint/2010/main" val="1724819014"/>
-      </p:ext>
-    </p:extLst>
-  </p:cSld>
-  <p:clrMapOvr>
-    <a:masterClrMapping/>
-  </p:clrMapOvr>
-</p:sldLayout>
-</file>
-
-<file path=ppt/slideLayouts/slideLayout12.xml><?xml version="1.0" encoding="utf-8"?>
-<p:sldLayout xmlns:a="http://schemas.openxmlformats.org/drawingml/2006/main" xmlns:r="http://schemas.openxmlformats.org/officeDocument/2006/relationships" xmlns:p="http://schemas.openxmlformats.org/presentationml/2006/main" userDrawn="1">
-  <p:cSld name="1_Titre uniquement">
-    <p:spTree>
-      <p:nvGrpSpPr>
-        <p:cNvPr id="1" name=""/>
-        <p:cNvGrpSpPr/>
-        <p:nvPr/>
-      </p:nvGrpSpPr>
-      <p:grpSpPr>
-        <a:xfrm>
-          <a:off x="0" y="0"/>
-          <a:ext cx="0" cy="0"/>
-          <a:chOff x="0" y="0"/>
-          <a:chExt cx="0" cy="0"/>
-        </a:xfrm>
-      </p:grpSpPr>
-      <p:sp>
-        <p:nvSpPr>
-          <p:cNvPr id="6" name="Espace réservé du pied de page 5">
-            <a:extLst>
-              <a:ext uri="{FF2B5EF4-FFF2-40B4-BE49-F238E27FC236}">
-                <a16:creationId xmlns:a16="http://schemas.microsoft.com/office/drawing/2014/main" id="{5356FC21-A32D-44DC-BED7-08CEBB3B9090}"/>
-              </a:ext>
-            </a:extLst>
-          </p:cNvPr>
-          <p:cNvSpPr>
-            <a:spLocks noGrp="1"/>
-          </p:cNvSpPr>
-          <p:nvPr>
-            <p:ph type="ftr" sz="quarter" idx="10"/>
-          </p:nvPr>
-        </p:nvSpPr>
-        <p:spPr/>
-        <p:txBody>
-          <a:bodyPr rtlCol="0"/>
-          <a:lstStyle/>
-          <a:p>
-            <a:pPr rtl="0"/>
-            <a:r>
-              <a:rPr lang="fr-FR" noProof="0" dirty="0"/>
-              <a:t>Ajouter un pied de page</a:t>
-            </a:r>
-          </a:p>
-        </p:txBody>
-      </p:sp>
-      <p:sp>
-        <p:nvSpPr>
-          <p:cNvPr id="9" name="Titre 1">
-            <a:extLst>
-              <a:ext uri="{FF2B5EF4-FFF2-40B4-BE49-F238E27FC236}">
-                <a16:creationId xmlns:a16="http://schemas.microsoft.com/office/drawing/2014/main" id="{CB2B6249-6B58-2F44-83C2-208195C23642}"/>
-              </a:ext>
-            </a:extLst>
-          </p:cNvPr>
-          <p:cNvSpPr>
-            <a:spLocks noGrp="1"/>
-          </p:cNvSpPr>
-          <p:nvPr>
-            <p:ph type="title" hasCustomPrompt="1"/>
-          </p:nvPr>
-        </p:nvSpPr>
-        <p:spPr>
-          <a:xfrm>
-            <a:off x="838200" y="2935528"/>
-            <a:ext cx="10515600" cy="986943"/>
-          </a:xfrm>
-        </p:spPr>
-        <p:txBody>
-          <a:bodyPr rtlCol="0"/>
-          <a:lstStyle>
-            <a:lvl1pPr algn="ctr">
-              <a:defRPr/>
-            </a:lvl1pPr>
-          </a:lstStyle>
-          <a:p>
-            <a:pPr rtl="0"/>
-            <a:r>
-              <a:rPr lang="fr-FR" noProof="0" dirty="0"/>
-              <a:t>MODIFIEZ LE STYLE DU TITRE</a:t>
-            </a:r>
-          </a:p>
-        </p:txBody>
-      </p:sp>
-    </p:spTree>
-    <p:extLst>
-      <p:ext uri="{BB962C8B-B14F-4D97-AF65-F5344CB8AC3E}">
-        <p14:creationId xmlns:p14="http://schemas.microsoft.com/office/powerpoint/2010/main" val="3418363814"/>
       </p:ext>
     </p:extLst>
   </p:cSld>
@@ -1042,7 +1042,7 @@
           <a:p>
             <a:fld id="{DCDD5F17-F228-4C32-BB08-C02CB1CDA8CD}" type="datetimeFigureOut">
               <a:rPr lang="fr-CA" smtClean="0"/>
-              <a:t>2022-09-12</a:t>
+              <a:t>2022-09-13</a:t>
             </a:fld>
             <a:endParaRPr lang="fr-CA"/>
           </a:p>
@@ -1318,7 +1318,7 @@
           <a:p>
             <a:fld id="{DCDD5F17-F228-4C32-BB08-C02CB1CDA8CD}" type="datetimeFigureOut">
               <a:rPr lang="fr-CA" smtClean="0"/>
-              <a:t>2022-09-12</a:t>
+              <a:t>2022-09-13</a:t>
             </a:fld>
             <a:endParaRPr lang="fr-CA"/>
           </a:p>
@@ -1586,7 +1586,7 @@
           <a:p>
             <a:fld id="{DCDD5F17-F228-4C32-BB08-C02CB1CDA8CD}" type="datetimeFigureOut">
               <a:rPr lang="fr-CA" smtClean="0"/>
-              <a:t>2022-09-12</a:t>
+              <a:t>2022-09-13</a:t>
             </a:fld>
             <a:endParaRPr lang="fr-CA"/>
           </a:p>
@@ -2001,7 +2001,7 @@
           <a:p>
             <a:fld id="{DCDD5F17-F228-4C32-BB08-C02CB1CDA8CD}" type="datetimeFigureOut">
               <a:rPr lang="fr-CA" smtClean="0"/>
-              <a:t>2022-09-12</a:t>
+              <a:t>2022-09-13</a:t>
             </a:fld>
             <a:endParaRPr lang="fr-CA"/>
           </a:p>
@@ -2143,7 +2143,7 @@
           <a:p>
             <a:fld id="{DCDD5F17-F228-4C32-BB08-C02CB1CDA8CD}" type="datetimeFigureOut">
               <a:rPr lang="fr-CA" smtClean="0"/>
-              <a:t>2022-09-12</a:t>
+              <a:t>2022-09-13</a:t>
             </a:fld>
             <a:endParaRPr lang="fr-CA"/>
           </a:p>
@@ -2256,7 +2256,7 @@
           <a:p>
             <a:fld id="{DCDD5F17-F228-4C32-BB08-C02CB1CDA8CD}" type="datetimeFigureOut">
               <a:rPr lang="fr-CA" smtClean="0"/>
-              <a:t>2022-09-12</a:t>
+              <a:t>2022-09-13</a:t>
             </a:fld>
             <a:endParaRPr lang="fr-CA"/>
           </a:p>
@@ -2569,7 +2569,7 @@
           <a:p>
             <a:fld id="{DCDD5F17-F228-4C32-BB08-C02CB1CDA8CD}" type="datetimeFigureOut">
               <a:rPr lang="fr-CA" smtClean="0"/>
-              <a:t>2022-09-12</a:t>
+              <a:t>2022-09-13</a:t>
             </a:fld>
             <a:endParaRPr lang="fr-CA"/>
           </a:p>
@@ -2858,7 +2858,7 @@
           <a:p>
             <a:fld id="{DCDD5F17-F228-4C32-BB08-C02CB1CDA8CD}" type="datetimeFigureOut">
               <a:rPr lang="fr-CA" smtClean="0"/>
-              <a:t>2022-09-12</a:t>
+              <a:t>2022-09-13</a:t>
             </a:fld>
             <a:endParaRPr lang="fr-CA"/>
           </a:p>
@@ -3101,7 +3101,7 @@
           <a:p>
             <a:fld id="{DCDD5F17-F228-4C32-BB08-C02CB1CDA8CD}" type="datetimeFigureOut">
               <a:rPr lang="fr-CA" smtClean="0"/>
-              <a:t>2022-09-12</a:t>
+              <a:t>2022-09-13</a:t>
             </a:fld>
             <a:endParaRPr lang="fr-CA"/>
           </a:p>
@@ -3217,7 +3217,6 @@
     <p:sldLayoutId id="2147483657" r:id="rId9"/>
     <p:sldLayoutId id="2147483658" r:id="rId10"/>
     <p:sldLayoutId id="2147483659" r:id="rId11"/>
-    <p:sldLayoutId id="2147483660" r:id="rId12"/>
   </p:sldLayoutIdLst>
   <p:txStyles>
     <p:titleStyle>
@@ -3581,7 +3580,7 @@
               <a:graphicData uri="http://schemas.openxmlformats.org/presentationml/2006/ole">
                 <mc:AlternateContent xmlns:mc="http://schemas.openxmlformats.org/markup-compatibility/2006">
                   <mc:Choice xmlns:v="urn:schemas-microsoft-com:vml" Requires="v">
-                    <p:oleObj spid="_x0000_s1028" name="Image" r:id="rId3" imgW="8774280" imgH="6348960" progId="Photoshop.Image.21">
+                    <p:oleObj spid="_x0000_s1026" name="Image" r:id="rId3" imgW="8774280" imgH="6348960" progId="Photoshop.Image.21">
                       <p:embed/>
                     </p:oleObj>
                   </mc:Choice>
@@ -4529,97 +4528,7 @@
 </p:sld>
 </file>
 
-<file path=ppt/slides/slide10.xml><?xml version="1.0" encoding="utf-8"?>
-<p:sld xmlns:a="http://schemas.openxmlformats.org/drawingml/2006/main" xmlns:r="http://schemas.openxmlformats.org/officeDocument/2006/relationships" xmlns:p="http://schemas.openxmlformats.org/presentationml/2006/main">
-  <p:cSld>
-    <p:spTree>
-      <p:nvGrpSpPr>
-        <p:cNvPr id="1" name=""/>
-        <p:cNvGrpSpPr/>
-        <p:nvPr/>
-      </p:nvGrpSpPr>
-      <p:grpSpPr>
-        <a:xfrm>
-          <a:off x="0" y="0"/>
-          <a:ext cx="0" cy="0"/>
-          <a:chOff x="0" y="0"/>
-          <a:chExt cx="0" cy="0"/>
-        </a:xfrm>
-      </p:grpSpPr>
-      <p:sp>
-        <p:nvSpPr>
-          <p:cNvPr id="2" name="Titre 1">
-            <a:extLst>
-              <a:ext uri="{FF2B5EF4-FFF2-40B4-BE49-F238E27FC236}">
-                <a16:creationId xmlns:a16="http://schemas.microsoft.com/office/drawing/2014/main" id="{D0244DB7-1D8B-4CE1-AE30-7CD751B9BC3B}"/>
-              </a:ext>
-            </a:extLst>
-          </p:cNvPr>
-          <p:cNvSpPr>
-            <a:spLocks noGrp="1"/>
-          </p:cNvSpPr>
-          <p:nvPr>
-            <p:ph type="title"/>
-          </p:nvPr>
-        </p:nvSpPr>
-        <p:spPr>
-          <a:xfrm>
-            <a:off x="838200" y="748146"/>
-            <a:ext cx="10515600" cy="5361708"/>
-          </a:xfrm>
-        </p:spPr>
-        <p:txBody>
-          <a:bodyPr>
-            <a:noAutofit/>
-          </a:bodyPr>
-          <a:lstStyle/>
-          <a:p>
-            <a:pPr algn="l"/>
-            <a:r>
-              <a:rPr lang="en-CA" sz="3600" dirty="0">
-                <a:solidFill>
-                  <a:schemeClr val="bg2"/>
-                </a:solidFill>
-              </a:rPr>
-              <a:t>EXERCICE</a:t>
-            </a:r>
-            <a:br>
-              <a:rPr lang="en-CA" sz="3600" dirty="0"/>
-            </a:br>
-            <a:r>
-              <a:rPr lang="en-CA" sz="3600" dirty="0">
-                <a:solidFill>
-                  <a:schemeClr val="accent2"/>
-                </a:solidFill>
-              </a:rPr>
-              <a:t>MODIFIEZ</a:t>
-            </a:r>
-            <a:r>
-              <a:rPr lang="en-CA" sz="3600" dirty="0"/>
-              <a:t> LE CODE POUR DÉCLENCHER LA SÉQUENCE DE CLIGNOTEMENT EN APPUYANT L’INTERRUPTEUR</a:t>
-            </a:r>
-            <a:endParaRPr lang="fr-CA" sz="3600" dirty="0">
-              <a:solidFill>
-                <a:schemeClr val="accent4"/>
-              </a:solidFill>
-            </a:endParaRPr>
-          </a:p>
-        </p:txBody>
-      </p:sp>
-    </p:spTree>
-    <p:extLst>
-      <p:ext uri="{BB962C8B-B14F-4D97-AF65-F5344CB8AC3E}">
-        <p14:creationId xmlns:p14="http://schemas.microsoft.com/office/powerpoint/2010/main" val="4093696693"/>
-      </p:ext>
-    </p:extLst>
-  </p:cSld>
-  <p:clrMapOvr>
-    <a:masterClrMapping/>
-  </p:clrMapOvr>
-</p:sld>
-</file>
-
-<file path=ppt/slides/slide11.xml><?xml version="1.0" encoding="utf-8"?>
+<file path=ppt/slides/slide2.xml><?xml version="1.0" encoding="utf-8"?>
 <p:sld xmlns:a="http://schemas.openxmlformats.org/drawingml/2006/main" xmlns:r="http://schemas.openxmlformats.org/officeDocument/2006/relationships" xmlns:p="http://schemas.openxmlformats.org/presentationml/2006/main">
   <p:cSld>
     <p:spTree>
@@ -4854,2590 +4763,6 @@
     <p:extLst>
       <p:ext uri="{BB962C8B-B14F-4D97-AF65-F5344CB8AC3E}">
         <p14:creationId xmlns:p14="http://schemas.microsoft.com/office/powerpoint/2010/main" val="3791590930"/>
-      </p:ext>
-    </p:extLst>
-  </p:cSld>
-  <p:clrMapOvr>
-    <a:masterClrMapping/>
-  </p:clrMapOvr>
-</p:sld>
-</file>
-
-<file path=ppt/slides/slide2.xml><?xml version="1.0" encoding="utf-8"?>
-<p:sld xmlns:a="http://schemas.openxmlformats.org/drawingml/2006/main" xmlns:r="http://schemas.openxmlformats.org/officeDocument/2006/relationships" xmlns:p="http://schemas.openxmlformats.org/presentationml/2006/main">
-  <p:cSld>
-    <p:spTree>
-      <p:nvGrpSpPr>
-        <p:cNvPr id="1" name=""/>
-        <p:cNvGrpSpPr/>
-        <p:nvPr/>
-      </p:nvGrpSpPr>
-      <p:grpSpPr>
-        <a:xfrm>
-          <a:off x="0" y="0"/>
-          <a:ext cx="0" cy="0"/>
-          <a:chOff x="0" y="0"/>
-          <a:chExt cx="0" cy="0"/>
-        </a:xfrm>
-      </p:grpSpPr>
-      <p:sp>
-        <p:nvSpPr>
-          <p:cNvPr id="7" name="Titre 6">
-            <a:extLst>
-              <a:ext uri="{FF2B5EF4-FFF2-40B4-BE49-F238E27FC236}">
-                <a16:creationId xmlns:a16="http://schemas.microsoft.com/office/drawing/2014/main" id="{42C10F38-8247-4F6E-B365-EB0CBA01584C}"/>
-              </a:ext>
-            </a:extLst>
-          </p:cNvPr>
-          <p:cNvSpPr>
-            <a:spLocks noGrp="1"/>
-          </p:cNvSpPr>
-          <p:nvPr>
-            <p:ph type="title"/>
-          </p:nvPr>
-        </p:nvSpPr>
-        <p:spPr>
-          <a:xfrm>
-            <a:off x="838200" y="0"/>
-            <a:ext cx="11353800" cy="1380616"/>
-          </a:xfrm>
-          <a:solidFill>
-            <a:schemeClr val="accent4"/>
-          </a:solidFill>
-        </p:spPr>
-        <p:txBody>
-          <a:bodyPr>
-            <a:normAutofit/>
-          </a:bodyPr>
-          <a:lstStyle/>
-          <a:p>
-            <a:r>
-              <a:rPr lang="fr-CA" sz="8000" dirty="0">
-                <a:solidFill>
-                  <a:schemeClr val="bg1"/>
-                </a:solidFill>
-              </a:rPr>
-              <a:t>EXERCICE D</a:t>
-            </a:r>
-          </a:p>
-        </p:txBody>
-      </p:sp>
-      <p:pic>
-        <p:nvPicPr>
-          <p:cNvPr id="3" name="Image 2">
-            <a:extLst>
-              <a:ext uri="{FF2B5EF4-FFF2-40B4-BE49-F238E27FC236}">
-                <a16:creationId xmlns:a16="http://schemas.microsoft.com/office/drawing/2014/main" id="{E892550C-22C5-4864-8999-9ED0E6285E19}"/>
-              </a:ext>
-            </a:extLst>
-          </p:cNvPr>
-          <p:cNvPicPr>
-            <a:picLocks noChangeAspect="1"/>
-          </p:cNvPicPr>
-          <p:nvPr/>
-        </p:nvPicPr>
-        <p:blipFill>
-          <a:blip r:embed="rId2"/>
-          <a:stretch>
-            <a:fillRect/>
-          </a:stretch>
-        </p:blipFill>
-        <p:spPr>
-          <a:xfrm>
-            <a:off x="908427" y="2412954"/>
-            <a:ext cx="6139805" cy="4061125"/>
-          </a:xfrm>
-          <a:prstGeom prst="rect">
-            <a:avLst/>
-          </a:prstGeom>
-        </p:spPr>
-      </p:pic>
-      <p:sp>
-        <p:nvSpPr>
-          <p:cNvPr id="4" name="ZoneTexte 3">
-            <a:extLst>
-              <a:ext uri="{FF2B5EF4-FFF2-40B4-BE49-F238E27FC236}">
-                <a16:creationId xmlns:a16="http://schemas.microsoft.com/office/drawing/2014/main" id="{A71FE1DE-A0E5-477C-9911-00E0440F7305}"/>
-              </a:ext>
-            </a:extLst>
-          </p:cNvPr>
-          <p:cNvSpPr txBox="1"/>
-          <p:nvPr/>
-        </p:nvSpPr>
-        <p:spPr>
-          <a:xfrm>
-            <a:off x="838199" y="1491155"/>
-            <a:ext cx="6042891" cy="646331"/>
-          </a:xfrm>
-          <a:prstGeom prst="rect">
-            <a:avLst/>
-          </a:prstGeom>
-          <a:noFill/>
-        </p:spPr>
-        <p:txBody>
-          <a:bodyPr wrap="square" rtlCol="0">
-            <a:spAutoFit/>
-          </a:bodyPr>
-          <a:lstStyle/>
-          <a:p>
-            <a:r>
-              <a:rPr lang="fr-CA" b="1" dirty="0">
-                <a:latin typeface="+mj-lt"/>
-              </a:rPr>
-              <a:t>PROGRAMMER : ENVOYER L’ÉTAT ACTUEL DE L’INTERRUPTEUR À CHAQUE 5MS</a:t>
-            </a:r>
-          </a:p>
-        </p:txBody>
-      </p:sp>
-      <p:sp>
-        <p:nvSpPr>
-          <p:cNvPr id="20" name="ZoneTexte 19">
-            <a:extLst>
-              <a:ext uri="{FF2B5EF4-FFF2-40B4-BE49-F238E27FC236}">
-                <a16:creationId xmlns:a16="http://schemas.microsoft.com/office/drawing/2014/main" id="{73810C94-89E7-4100-9624-06951B2ED7C2}"/>
-              </a:ext>
-            </a:extLst>
-          </p:cNvPr>
-          <p:cNvSpPr txBox="1"/>
-          <p:nvPr/>
-        </p:nvSpPr>
-        <p:spPr>
-          <a:xfrm>
-            <a:off x="7048232" y="1491154"/>
-            <a:ext cx="4305569" cy="923330"/>
-          </a:xfrm>
-          <a:prstGeom prst="rect">
-            <a:avLst/>
-          </a:prstGeom>
-          <a:noFill/>
-        </p:spPr>
-        <p:txBody>
-          <a:bodyPr wrap="square" rtlCol="0">
-            <a:spAutoFit/>
-          </a:bodyPr>
-          <a:lstStyle/>
-          <a:p>
-            <a:r>
-              <a:rPr lang="fr-CA" b="1" dirty="0">
-                <a:latin typeface="+mj-lt"/>
-              </a:rPr>
-              <a:t>OBSERVER LE RÉSULTAT DANS LE MONITEUR SÉRIE DE L’IDE D’ARDUINO</a:t>
-            </a:r>
-          </a:p>
-        </p:txBody>
-      </p:sp>
-      <p:sp>
-        <p:nvSpPr>
-          <p:cNvPr id="21" name="Explosion : 8 points 20">
-            <a:extLst>
-              <a:ext uri="{FF2B5EF4-FFF2-40B4-BE49-F238E27FC236}">
-                <a16:creationId xmlns:a16="http://schemas.microsoft.com/office/drawing/2014/main" id="{EC3CBFAE-52AB-4002-AE62-20AEB5C22358}"/>
-              </a:ext>
-            </a:extLst>
-          </p:cNvPr>
-          <p:cNvSpPr/>
-          <p:nvPr/>
-        </p:nvSpPr>
-        <p:spPr>
-          <a:xfrm>
-            <a:off x="8557856" y="2022390"/>
-            <a:ext cx="3424018" cy="2776046"/>
-          </a:xfrm>
-          <a:prstGeom prst="irregularSeal1">
-            <a:avLst/>
-          </a:prstGeom>
-        </p:spPr>
-        <p:style>
-          <a:lnRef idx="2">
-            <a:schemeClr val="accent1">
-              <a:shade val="50000"/>
-            </a:schemeClr>
-          </a:lnRef>
-          <a:fillRef idx="1">
-            <a:schemeClr val="accent1"/>
-          </a:fillRef>
-          <a:effectRef idx="0">
-            <a:schemeClr val="accent1"/>
-          </a:effectRef>
-          <a:fontRef idx="minor">
-            <a:schemeClr val="lt1"/>
-          </a:fontRef>
-        </p:style>
-        <p:txBody>
-          <a:bodyPr rtlCol="0" anchor="ctr"/>
-          <a:lstStyle/>
-          <a:p>
-            <a:pPr algn="ctr"/>
-            <a:r>
-              <a:rPr lang="fr-CA" sz="1400" dirty="0"/>
-              <a:t>Vous devriez voir des 1 quand vous relâchez l’interrupteur et des 0 quand vous l’appuyez</a:t>
-            </a:r>
-          </a:p>
-        </p:txBody>
-      </p:sp>
-    </p:spTree>
-    <p:extLst>
-      <p:ext uri="{BB962C8B-B14F-4D97-AF65-F5344CB8AC3E}">
-        <p14:creationId xmlns:p14="http://schemas.microsoft.com/office/powerpoint/2010/main" val="3657096660"/>
-      </p:ext>
-    </p:extLst>
-  </p:cSld>
-  <p:clrMapOvr>
-    <a:masterClrMapping/>
-  </p:clrMapOvr>
-</p:sld>
-</file>
-
-<file path=ppt/slides/slide3.xml><?xml version="1.0" encoding="utf-8"?>
-<p:sld xmlns:a="http://schemas.openxmlformats.org/drawingml/2006/main" xmlns:r="http://schemas.openxmlformats.org/officeDocument/2006/relationships" xmlns:p="http://schemas.openxmlformats.org/presentationml/2006/main">
-  <p:cSld>
-    <p:spTree>
-      <p:nvGrpSpPr>
-        <p:cNvPr id="1" name=""/>
-        <p:cNvGrpSpPr/>
-        <p:nvPr/>
-      </p:nvGrpSpPr>
-      <p:grpSpPr>
-        <a:xfrm>
-          <a:off x="0" y="0"/>
-          <a:ext cx="0" cy="0"/>
-          <a:chOff x="0" y="0"/>
-          <a:chExt cx="0" cy="0"/>
-        </a:xfrm>
-      </p:grpSpPr>
-      <p:sp>
-        <p:nvSpPr>
-          <p:cNvPr id="2" name="Titre 1">
-            <a:extLst>
-              <a:ext uri="{FF2B5EF4-FFF2-40B4-BE49-F238E27FC236}">
-                <a16:creationId xmlns:a16="http://schemas.microsoft.com/office/drawing/2014/main" id="{AC700E58-93C8-47B7-AEBA-3C9EFCD99859}"/>
-              </a:ext>
-            </a:extLst>
-          </p:cNvPr>
-          <p:cNvSpPr>
-            <a:spLocks noGrp="1"/>
-          </p:cNvSpPr>
-          <p:nvPr>
-            <p:ph type="title"/>
-          </p:nvPr>
-        </p:nvSpPr>
-        <p:spPr>
-          <a:xfrm>
-            <a:off x="836612" y="525953"/>
-            <a:ext cx="10739763" cy="781553"/>
-          </a:xfrm>
-        </p:spPr>
-        <p:txBody>
-          <a:bodyPr>
-            <a:normAutofit fontScale="90000"/>
-          </a:bodyPr>
-          <a:lstStyle/>
-          <a:p>
-            <a:r>
-              <a:rPr lang="fr-CA" dirty="0"/>
-              <a:t>Exercice 2 (formatif) : allumer une lumière DEL avec un interrupteur</a:t>
-            </a:r>
-          </a:p>
-        </p:txBody>
-      </p:sp>
-      <p:sp>
-        <p:nvSpPr>
-          <p:cNvPr id="8" name="ZoneTexte 7">
-            <a:extLst>
-              <a:ext uri="{FF2B5EF4-FFF2-40B4-BE49-F238E27FC236}">
-                <a16:creationId xmlns:a16="http://schemas.microsoft.com/office/drawing/2014/main" id="{27992A98-66A0-4B4B-892F-D53494B87B50}"/>
-              </a:ext>
-            </a:extLst>
-          </p:cNvPr>
-          <p:cNvSpPr txBox="1"/>
-          <p:nvPr/>
-        </p:nvSpPr>
-        <p:spPr>
-          <a:xfrm>
-            <a:off x="1595438" y="1345799"/>
-            <a:ext cx="1926806" cy="769441"/>
-          </a:xfrm>
-          <a:prstGeom prst="rect">
-            <a:avLst/>
-          </a:prstGeom>
-          <a:solidFill>
-            <a:schemeClr val="accent4"/>
-          </a:solidFill>
-          <a:ln>
-            <a:noFill/>
-          </a:ln>
-        </p:spPr>
-        <p:style>
-          <a:lnRef idx="2">
-            <a:schemeClr val="dk1">
-              <a:shade val="50000"/>
-            </a:schemeClr>
-          </a:lnRef>
-          <a:fillRef idx="1">
-            <a:schemeClr val="dk1"/>
-          </a:fillRef>
-          <a:effectRef idx="0">
-            <a:schemeClr val="dk1"/>
-          </a:effectRef>
-          <a:fontRef idx="minor">
-            <a:schemeClr val="lt1"/>
-          </a:fontRef>
-        </p:style>
-        <p:txBody>
-          <a:bodyPr wrap="square" rtlCol="0">
-            <a:spAutoFit/>
-          </a:bodyPr>
-          <a:lstStyle/>
-          <a:p>
-            <a:pPr algn="ctr"/>
-            <a:r>
-              <a:rPr lang="fr-CA" sz="1100" dirty="0">
-                <a:solidFill>
-                  <a:schemeClr val="accent3"/>
-                </a:solidFill>
-              </a:rPr>
-              <a:t>Branchez la prise USB après vous être assuré que vous n’avez pas commis d’erreur fatale</a:t>
-            </a:r>
-            <a:endParaRPr lang="fr-CA" sz="1100" b="1" dirty="0">
-              <a:solidFill>
-                <a:schemeClr val="accent3"/>
-              </a:solidFill>
-            </a:endParaRPr>
-          </a:p>
-        </p:txBody>
-      </p:sp>
-      <p:pic>
-        <p:nvPicPr>
-          <p:cNvPr id="9" name="Image 8">
-            <a:extLst>
-              <a:ext uri="{FF2B5EF4-FFF2-40B4-BE49-F238E27FC236}">
-                <a16:creationId xmlns:a16="http://schemas.microsoft.com/office/drawing/2014/main" id="{4FA2700E-74B7-49A8-9076-3245E642A949}"/>
-              </a:ext>
-            </a:extLst>
-          </p:cNvPr>
-          <p:cNvPicPr>
-            <a:picLocks noChangeAspect="1"/>
-          </p:cNvPicPr>
-          <p:nvPr/>
-        </p:nvPicPr>
-        <p:blipFill>
-          <a:blip r:embed="rId3"/>
-          <a:stretch>
-            <a:fillRect/>
-          </a:stretch>
-        </p:blipFill>
-        <p:spPr>
-          <a:xfrm>
-            <a:off x="3375873" y="1307506"/>
-            <a:ext cx="567497" cy="781553"/>
-          </a:xfrm>
-          <a:prstGeom prst="rect">
-            <a:avLst/>
-          </a:prstGeom>
-        </p:spPr>
-      </p:pic>
-      <p:pic>
-        <p:nvPicPr>
-          <p:cNvPr id="11" name="Image 10">
-            <a:extLst>
-              <a:ext uri="{FF2B5EF4-FFF2-40B4-BE49-F238E27FC236}">
-                <a16:creationId xmlns:a16="http://schemas.microsoft.com/office/drawing/2014/main" id="{5DC7CFD9-9DA5-464F-9177-4022849389A2}"/>
-              </a:ext>
-            </a:extLst>
-          </p:cNvPr>
-          <p:cNvPicPr>
-            <a:picLocks noChangeAspect="1"/>
-          </p:cNvPicPr>
-          <p:nvPr/>
-        </p:nvPicPr>
-        <p:blipFill>
-          <a:blip r:embed="rId4"/>
-          <a:stretch>
-            <a:fillRect/>
-          </a:stretch>
-        </p:blipFill>
-        <p:spPr>
-          <a:xfrm>
-            <a:off x="4902786" y="1455584"/>
-            <a:ext cx="4113553" cy="4857782"/>
-          </a:xfrm>
-          <a:prstGeom prst="rect">
-            <a:avLst/>
-          </a:prstGeom>
-        </p:spPr>
-      </p:pic>
-      <p:pic>
-        <p:nvPicPr>
-          <p:cNvPr id="14" name="Média en ligne 13" title="Exercice 2 : allumer une DEL avec un interrupteur">
-            <a:hlinkClick r:id="" action="ppaction://media"/>
-            <a:extLst>
-              <a:ext uri="{FF2B5EF4-FFF2-40B4-BE49-F238E27FC236}">
-                <a16:creationId xmlns:a16="http://schemas.microsoft.com/office/drawing/2014/main" id="{4CF8855E-C23E-4884-B71D-69F1D7061135}"/>
-              </a:ext>
-            </a:extLst>
-          </p:cNvPr>
-          <p:cNvPicPr>
-            <a:picLocks noRot="1" noChangeAspect="1"/>
-          </p:cNvPicPr>
-          <p:nvPr>
-            <a:videoFile r:link="rId1"/>
-          </p:nvPr>
-        </p:nvPicPr>
-        <p:blipFill>
-          <a:blip r:embed="rId5"/>
-          <a:stretch>
-            <a:fillRect/>
-          </a:stretch>
-        </p:blipFill>
-        <p:spPr>
-          <a:xfrm>
-            <a:off x="1595438" y="4450770"/>
-            <a:ext cx="2540665" cy="1429124"/>
-          </a:xfrm>
-          <a:prstGeom prst="rect">
-            <a:avLst/>
-          </a:prstGeom>
-        </p:spPr>
-      </p:pic>
-    </p:spTree>
-    <p:extLst>
-      <p:ext uri="{BB962C8B-B14F-4D97-AF65-F5344CB8AC3E}">
-        <p14:creationId xmlns:p14="http://schemas.microsoft.com/office/powerpoint/2010/main" val="537445708"/>
-      </p:ext>
-    </p:extLst>
-  </p:cSld>
-  <p:clrMapOvr>
-    <a:masterClrMapping/>
-  </p:clrMapOvr>
-  <p:timing>
-    <p:tnLst>
-      <p:par>
-        <p:cTn id="1" dur="indefinite" restart="never" nodeType="tmRoot">
-          <p:childTnLst>
-            <p:seq concurrent="1" nextAc="seek">
-              <p:cTn id="2" dur="indefinite" nodeType="mainSeq">
-                <p:childTnLst>
-                  <p:par>
-                    <p:cTn id="3" fill="hold">
-                      <p:stCondLst>
-                        <p:cond delay="indefinite"/>
-                      </p:stCondLst>
-                      <p:childTnLst>
-                        <p:par>
-                          <p:cTn id="4" fill="hold">
-                            <p:stCondLst>
-                              <p:cond delay="0"/>
-                            </p:stCondLst>
-                            <p:childTnLst>
-                              <p:par>
-                                <p:cTn id="5" presetID="1" presetClass="mediacall" presetSubtype="0" fill="hold" nodeType="clickEffect">
-                                  <p:stCondLst>
-                                    <p:cond delay="0"/>
-                                  </p:stCondLst>
-                                  <p:childTnLst>
-                                    <p:cmd type="call" cmd="playFrom(0.0)">
-                                      <p:cBhvr>
-                                        <p:cTn id="6" dur="1" fill="hold"/>
-                                        <p:tgtEl>
-                                          <p:spTgt spid="14"/>
-                                        </p:tgtEl>
-                                      </p:cBhvr>
-                                    </p:cmd>
-                                  </p:childTnLst>
-                                </p:cTn>
-                              </p:par>
-                            </p:childTnLst>
-                          </p:cTn>
-                        </p:par>
-                      </p:childTnLst>
-                    </p:cTn>
-                  </p:par>
-                </p:childTnLst>
-              </p:cTn>
-              <p:prevCondLst>
-                <p:cond evt="onPrev" delay="0">
-                  <p:tgtEl>
-                    <p:sldTgt/>
-                  </p:tgtEl>
-                </p:cond>
-              </p:prevCondLst>
-              <p:nextCondLst>
-                <p:cond evt="onNext" delay="0">
-                  <p:tgtEl>
-                    <p:sldTgt/>
-                  </p:tgtEl>
-                </p:cond>
-              </p:nextCondLst>
-            </p:seq>
-            <p:video>
-              <p:cMediaNode vol="80000">
-                <p:cTn id="7" fill="hold" display="0">
-                  <p:stCondLst>
-                    <p:cond delay="indefinite"/>
-                  </p:stCondLst>
-                </p:cTn>
-                <p:tgtEl>
-                  <p:spTgt spid="14"/>
-                </p:tgtEl>
-              </p:cMediaNode>
-            </p:video>
-            <p:seq concurrent="1" nextAc="seek">
-              <p:cTn id="8" restart="whenNotActive" fill="hold" evtFilter="cancelBubble" nodeType="interactiveSeq">
-                <p:stCondLst>
-                  <p:cond evt="onClick" delay="0">
-                    <p:tgtEl>
-                      <p:spTgt spid="14"/>
-                    </p:tgtEl>
-                  </p:cond>
-                </p:stCondLst>
-                <p:endSync evt="end" delay="0">
-                  <p:rtn val="all"/>
-                </p:endSync>
-                <p:childTnLst>
-                  <p:par>
-                    <p:cTn id="9" fill="hold">
-                      <p:stCondLst>
-                        <p:cond delay="0"/>
-                      </p:stCondLst>
-                      <p:childTnLst>
-                        <p:par>
-                          <p:cTn id="10" fill="hold">
-                            <p:stCondLst>
-                              <p:cond delay="0"/>
-                            </p:stCondLst>
-                            <p:childTnLst>
-                              <p:par>
-                                <p:cTn id="11" presetID="2" presetClass="mediacall" presetSubtype="0" fill="hold" nodeType="clickEffect">
-                                  <p:stCondLst>
-                                    <p:cond delay="0"/>
-                                  </p:stCondLst>
-                                  <p:childTnLst>
-                                    <p:cmd type="call" cmd="togglePause">
-                                      <p:cBhvr>
-                                        <p:cTn id="12" dur="1" fill="hold"/>
-                                        <p:tgtEl>
-                                          <p:spTgt spid="14"/>
-                                        </p:tgtEl>
-                                      </p:cBhvr>
-                                    </p:cmd>
-                                  </p:childTnLst>
-                                </p:cTn>
-                              </p:par>
-                            </p:childTnLst>
-                          </p:cTn>
-                        </p:par>
-                      </p:childTnLst>
-                    </p:cTn>
-                  </p:par>
-                </p:childTnLst>
-              </p:cTn>
-              <p:nextCondLst>
-                <p:cond evt="onClick" delay="0">
-                  <p:tgtEl>
-                    <p:spTgt spid="14"/>
-                  </p:tgtEl>
-                </p:cond>
-              </p:nextCondLst>
-            </p:seq>
-          </p:childTnLst>
-        </p:cTn>
-      </p:par>
-    </p:tnLst>
-  </p:timing>
-</p:sld>
-</file>
-
-<file path=ppt/slides/slide4.xml><?xml version="1.0" encoding="utf-8"?>
-<p:sld xmlns:a="http://schemas.openxmlformats.org/drawingml/2006/main" xmlns:r="http://schemas.openxmlformats.org/officeDocument/2006/relationships" xmlns:p="http://schemas.openxmlformats.org/presentationml/2006/main">
-  <p:cSld>
-    <p:spTree>
-      <p:nvGrpSpPr>
-        <p:cNvPr id="1" name=""/>
-        <p:cNvGrpSpPr/>
-        <p:nvPr/>
-      </p:nvGrpSpPr>
-      <p:grpSpPr>
-        <a:xfrm>
-          <a:off x="0" y="0"/>
-          <a:ext cx="0" cy="0"/>
-          <a:chOff x="0" y="0"/>
-          <a:chExt cx="0" cy="0"/>
-        </a:xfrm>
-      </p:grpSpPr>
-      <p:sp>
-        <p:nvSpPr>
-          <p:cNvPr id="2" name="Titre 1">
-            <a:extLst>
-              <a:ext uri="{FF2B5EF4-FFF2-40B4-BE49-F238E27FC236}">
-                <a16:creationId xmlns:a16="http://schemas.microsoft.com/office/drawing/2014/main" id="{980F0AE2-D6CA-42FC-8817-2813ADB64EC3}"/>
-              </a:ext>
-            </a:extLst>
-          </p:cNvPr>
-          <p:cNvSpPr>
-            <a:spLocks noGrp="1"/>
-          </p:cNvSpPr>
-          <p:nvPr>
-            <p:ph type="title"/>
-          </p:nvPr>
-        </p:nvSpPr>
-        <p:spPr/>
-        <p:txBody>
-          <a:bodyPr>
-            <a:normAutofit/>
-          </a:bodyPr>
-          <a:lstStyle/>
-          <a:p>
-            <a:r>
-              <a:rPr lang="en-CA" sz="3600" dirty="0"/>
-              <a:t>BONNES BROCHES DE L’INTERRUPTEUR</a:t>
-            </a:r>
-            <a:endParaRPr lang="fr-CA" sz="3600" dirty="0"/>
-          </a:p>
-        </p:txBody>
-      </p:sp>
-      <p:grpSp>
-        <p:nvGrpSpPr>
-          <p:cNvPr id="8" name="Groupe 7">
-            <a:extLst>
-              <a:ext uri="{FF2B5EF4-FFF2-40B4-BE49-F238E27FC236}">
-                <a16:creationId xmlns:a16="http://schemas.microsoft.com/office/drawing/2014/main" id="{B9F1F439-FE87-485E-B515-BC48C4776B92}"/>
-              </a:ext>
-            </a:extLst>
-          </p:cNvPr>
-          <p:cNvGrpSpPr/>
-          <p:nvPr/>
-        </p:nvGrpSpPr>
-        <p:grpSpPr>
-          <a:xfrm>
-            <a:off x="7382830" y="1788867"/>
-            <a:ext cx="3112956" cy="4429975"/>
-            <a:chOff x="6662163" y="1788867"/>
-            <a:chExt cx="3112956" cy="4429975"/>
-          </a:xfrm>
-        </p:grpSpPr>
-        <p:pic>
-          <p:nvPicPr>
-            <p:cNvPr id="5" name="Image 4">
-              <a:extLst>
-                <a:ext uri="{FF2B5EF4-FFF2-40B4-BE49-F238E27FC236}">
-                  <a16:creationId xmlns:a16="http://schemas.microsoft.com/office/drawing/2014/main" id="{251D77FA-1BC2-47C3-99F7-511C5D9CDF35}"/>
-                </a:ext>
-              </a:extLst>
-            </p:cNvPr>
-            <p:cNvPicPr>
-              <a:picLocks noChangeAspect="1"/>
-            </p:cNvPicPr>
-            <p:nvPr/>
-          </p:nvPicPr>
-          <p:blipFill>
-            <a:blip r:embed="rId2"/>
-            <a:stretch>
-              <a:fillRect/>
-            </a:stretch>
-          </p:blipFill>
-          <p:spPr>
-            <a:xfrm>
-              <a:off x="6662163" y="1788867"/>
-              <a:ext cx="3112956" cy="4429975"/>
-            </a:xfrm>
-            <a:prstGeom prst="rect">
-              <a:avLst/>
-            </a:prstGeom>
-          </p:spPr>
-        </p:pic>
-        <p:pic>
-          <p:nvPicPr>
-            <p:cNvPr id="6" name="Image 5">
-              <a:extLst>
-                <a:ext uri="{FF2B5EF4-FFF2-40B4-BE49-F238E27FC236}">
-                  <a16:creationId xmlns:a16="http://schemas.microsoft.com/office/drawing/2014/main" id="{22A91FE8-A596-4FAB-A575-95A5934C7730}"/>
-                </a:ext>
-              </a:extLst>
-            </p:cNvPr>
-            <p:cNvPicPr>
-              <a:picLocks noChangeAspect="1"/>
-            </p:cNvPicPr>
-            <p:nvPr/>
-          </p:nvPicPr>
-          <p:blipFill>
-            <a:blip r:embed="rId3"/>
-            <a:stretch>
-              <a:fillRect/>
-            </a:stretch>
-          </p:blipFill>
-          <p:spPr>
-            <a:xfrm>
-              <a:off x="8773933" y="1802582"/>
-              <a:ext cx="1001186" cy="983309"/>
-            </a:xfrm>
-            <a:prstGeom prst="rect">
-              <a:avLst/>
-            </a:prstGeom>
-          </p:spPr>
-        </p:pic>
-      </p:grpSp>
-      <p:grpSp>
-        <p:nvGrpSpPr>
-          <p:cNvPr id="9" name="Groupe 8">
-            <a:extLst>
-              <a:ext uri="{FF2B5EF4-FFF2-40B4-BE49-F238E27FC236}">
-                <a16:creationId xmlns:a16="http://schemas.microsoft.com/office/drawing/2014/main" id="{E25DB01A-4540-4656-A77E-9CEDD08BE1AA}"/>
-              </a:ext>
-            </a:extLst>
-          </p:cNvPr>
-          <p:cNvGrpSpPr/>
-          <p:nvPr/>
-        </p:nvGrpSpPr>
-        <p:grpSpPr>
-          <a:xfrm>
-            <a:off x="2608313" y="1690688"/>
-            <a:ext cx="3436928" cy="4429975"/>
-            <a:chOff x="838200" y="1690688"/>
-            <a:chExt cx="3436928" cy="4429975"/>
-          </a:xfrm>
-        </p:grpSpPr>
-        <p:pic>
-          <p:nvPicPr>
-            <p:cNvPr id="4" name="Image 3">
-              <a:extLst>
-                <a:ext uri="{FF2B5EF4-FFF2-40B4-BE49-F238E27FC236}">
-                  <a16:creationId xmlns:a16="http://schemas.microsoft.com/office/drawing/2014/main" id="{A9A5CBEE-B978-40FB-A532-343AB9666BCE}"/>
-                </a:ext>
-              </a:extLst>
-            </p:cNvPr>
-            <p:cNvPicPr>
-              <a:picLocks noChangeAspect="1"/>
-            </p:cNvPicPr>
-            <p:nvPr/>
-          </p:nvPicPr>
-          <p:blipFill>
-            <a:blip r:embed="rId4"/>
-            <a:stretch>
-              <a:fillRect/>
-            </a:stretch>
-          </p:blipFill>
-          <p:spPr>
-            <a:xfrm>
-              <a:off x="838200" y="1690688"/>
-              <a:ext cx="3436928" cy="4429975"/>
-            </a:xfrm>
-            <a:prstGeom prst="rect">
-              <a:avLst/>
-            </a:prstGeom>
-          </p:spPr>
-        </p:pic>
-        <p:pic>
-          <p:nvPicPr>
-            <p:cNvPr id="7" name="Image 6">
-              <a:extLst>
-                <a:ext uri="{FF2B5EF4-FFF2-40B4-BE49-F238E27FC236}">
-                  <a16:creationId xmlns:a16="http://schemas.microsoft.com/office/drawing/2014/main" id="{52411B9E-C01F-4378-924F-CBE97C0C38A5}"/>
-                </a:ext>
-              </a:extLst>
-            </p:cNvPr>
-            <p:cNvPicPr>
-              <a:picLocks noChangeAspect="1"/>
-            </p:cNvPicPr>
-            <p:nvPr/>
-          </p:nvPicPr>
-          <p:blipFill>
-            <a:blip r:embed="rId5"/>
-            <a:stretch>
-              <a:fillRect/>
-            </a:stretch>
-          </p:blipFill>
-          <p:spPr>
-            <a:xfrm>
-              <a:off x="3259977" y="1788867"/>
-              <a:ext cx="1015151" cy="997024"/>
-            </a:xfrm>
-            <a:prstGeom prst="rect">
-              <a:avLst/>
-            </a:prstGeom>
-          </p:spPr>
-        </p:pic>
-      </p:grpSp>
-      <p:sp>
-        <p:nvSpPr>
-          <p:cNvPr id="10" name="ZoneTexte 9">
-            <a:extLst>
-              <a:ext uri="{FF2B5EF4-FFF2-40B4-BE49-F238E27FC236}">
-                <a16:creationId xmlns:a16="http://schemas.microsoft.com/office/drawing/2014/main" id="{CDFAE60C-786E-4313-AE3E-D3A54BAC3D02}"/>
-              </a:ext>
-            </a:extLst>
-          </p:cNvPr>
-          <p:cNvSpPr txBox="1"/>
-          <p:nvPr/>
-        </p:nvSpPr>
-        <p:spPr>
-          <a:xfrm>
-            <a:off x="5427553" y="3372790"/>
-            <a:ext cx="1989035" cy="954107"/>
-          </a:xfrm>
-          <a:prstGeom prst="rect">
-            <a:avLst/>
-          </a:prstGeom>
-          <a:noFill/>
-        </p:spPr>
-        <p:txBody>
-          <a:bodyPr wrap="square" rtlCol="0">
-            <a:spAutoFit/>
-          </a:bodyPr>
-          <a:lstStyle/>
-          <a:p>
-            <a:r>
-              <a:rPr lang="fr-CA" sz="1400" dirty="0"/>
-              <a:t>Le courant circule toujours par l’interrupteur. La DEL reste toujours allumée. </a:t>
-            </a:r>
-          </a:p>
-        </p:txBody>
-      </p:sp>
-      <p:sp>
-        <p:nvSpPr>
-          <p:cNvPr id="11" name="ZoneTexte 10">
-            <a:extLst>
-              <a:ext uri="{FF2B5EF4-FFF2-40B4-BE49-F238E27FC236}">
-                <a16:creationId xmlns:a16="http://schemas.microsoft.com/office/drawing/2014/main" id="{749D5A03-6D5A-47C8-B05F-82B5D4445A9C}"/>
-              </a:ext>
-            </a:extLst>
-          </p:cNvPr>
-          <p:cNvSpPr txBox="1"/>
-          <p:nvPr/>
-        </p:nvSpPr>
-        <p:spPr>
-          <a:xfrm>
-            <a:off x="10080141" y="3471945"/>
-            <a:ext cx="1273660" cy="1169551"/>
-          </a:xfrm>
-          <a:prstGeom prst="rect">
-            <a:avLst/>
-          </a:prstGeom>
-          <a:noFill/>
-        </p:spPr>
-        <p:txBody>
-          <a:bodyPr wrap="square" rtlCol="0">
-            <a:spAutoFit/>
-          </a:bodyPr>
-          <a:lstStyle/>
-          <a:p>
-            <a:r>
-              <a:rPr lang="fr-CA" sz="1400" dirty="0"/>
-              <a:t>La DEL s’illumine seulement si l’interrupteur est appuyé.</a:t>
-            </a:r>
-          </a:p>
-        </p:txBody>
-      </p:sp>
-      <p:cxnSp>
-        <p:nvCxnSpPr>
-          <p:cNvPr id="12" name="Connecteur droit avec flèche 11">
-            <a:extLst>
-              <a:ext uri="{FF2B5EF4-FFF2-40B4-BE49-F238E27FC236}">
-                <a16:creationId xmlns:a16="http://schemas.microsoft.com/office/drawing/2014/main" id="{F801D520-1221-4471-BDA5-383CB8B8C540}"/>
-              </a:ext>
-            </a:extLst>
-          </p:cNvPr>
-          <p:cNvCxnSpPr>
-            <a:cxnSpLocks/>
-          </p:cNvCxnSpPr>
-          <p:nvPr/>
-        </p:nvCxnSpPr>
-        <p:spPr>
-          <a:xfrm>
-            <a:off x="3606339" y="4281054"/>
-            <a:ext cx="1134686" cy="0"/>
-          </a:xfrm>
-          <a:prstGeom prst="straightConnector1">
-            <a:avLst/>
-          </a:prstGeom>
-          <a:ln w="57150">
-            <a:solidFill>
-              <a:srgbClr val="EAB200">
-                <a:alpha val="61961"/>
-              </a:srgbClr>
-            </a:solidFill>
-            <a:prstDash val="solid"/>
-            <a:tailEnd type="triangle"/>
-          </a:ln>
-        </p:spPr>
-        <p:style>
-          <a:lnRef idx="1">
-            <a:schemeClr val="accent1"/>
-          </a:lnRef>
-          <a:fillRef idx="0">
-            <a:schemeClr val="accent1"/>
-          </a:fillRef>
-          <a:effectRef idx="0">
-            <a:schemeClr val="accent1"/>
-          </a:effectRef>
-          <a:fontRef idx="minor">
-            <a:schemeClr val="tx1"/>
-          </a:fontRef>
-        </p:style>
-      </p:cxnSp>
-      <p:cxnSp>
-        <p:nvCxnSpPr>
-          <p:cNvPr id="14" name="Connecteur droit avec flèche 13">
-            <a:extLst>
-              <a:ext uri="{FF2B5EF4-FFF2-40B4-BE49-F238E27FC236}">
-                <a16:creationId xmlns:a16="http://schemas.microsoft.com/office/drawing/2014/main" id="{878960CC-F8AF-476A-9965-DDE913B7FDAC}"/>
-              </a:ext>
-            </a:extLst>
-          </p:cNvPr>
-          <p:cNvCxnSpPr>
-            <a:cxnSpLocks/>
-          </p:cNvCxnSpPr>
-          <p:nvPr/>
-        </p:nvCxnSpPr>
-        <p:spPr>
-          <a:xfrm>
-            <a:off x="8159173" y="4281054"/>
-            <a:ext cx="433647" cy="0"/>
-          </a:xfrm>
-          <a:prstGeom prst="straightConnector1">
-            <a:avLst/>
-          </a:prstGeom>
-          <a:ln w="57150">
-            <a:solidFill>
-              <a:srgbClr val="EAB200">
-                <a:alpha val="61961"/>
-              </a:srgbClr>
-            </a:solidFill>
-            <a:prstDash val="solid"/>
-            <a:tailEnd type="triangle"/>
-          </a:ln>
-        </p:spPr>
-        <p:style>
-          <a:lnRef idx="1">
-            <a:schemeClr val="accent1"/>
-          </a:lnRef>
-          <a:fillRef idx="0">
-            <a:schemeClr val="accent1"/>
-          </a:fillRef>
-          <a:effectRef idx="0">
-            <a:schemeClr val="accent1"/>
-          </a:effectRef>
-          <a:fontRef idx="minor">
-            <a:schemeClr val="tx1"/>
-          </a:fontRef>
-        </p:style>
-      </p:cxnSp>
-      <p:cxnSp>
-        <p:nvCxnSpPr>
-          <p:cNvPr id="16" name="Connecteur droit avec flèche 15">
-            <a:extLst>
-              <a:ext uri="{FF2B5EF4-FFF2-40B4-BE49-F238E27FC236}">
-                <a16:creationId xmlns:a16="http://schemas.microsoft.com/office/drawing/2014/main" id="{82CAF9EE-3566-44DD-9B6D-2A8138A38ADC}"/>
-              </a:ext>
-            </a:extLst>
-          </p:cNvPr>
-          <p:cNvCxnSpPr>
-            <a:cxnSpLocks/>
-          </p:cNvCxnSpPr>
-          <p:nvPr/>
-        </p:nvCxnSpPr>
-        <p:spPr>
-          <a:xfrm>
-            <a:off x="9060953" y="4538749"/>
-            <a:ext cx="433647" cy="0"/>
-          </a:xfrm>
-          <a:prstGeom prst="straightConnector1">
-            <a:avLst/>
-          </a:prstGeom>
-          <a:ln w="57150">
-            <a:solidFill>
-              <a:srgbClr val="EAB200">
-                <a:alpha val="61961"/>
-              </a:srgbClr>
-            </a:solidFill>
-            <a:prstDash val="solid"/>
-            <a:tailEnd type="triangle"/>
-          </a:ln>
-        </p:spPr>
-        <p:style>
-          <a:lnRef idx="1">
-            <a:schemeClr val="accent1"/>
-          </a:lnRef>
-          <a:fillRef idx="0">
-            <a:schemeClr val="accent1"/>
-          </a:fillRef>
-          <a:effectRef idx="0">
-            <a:schemeClr val="accent1"/>
-          </a:effectRef>
-          <a:fontRef idx="minor">
-            <a:schemeClr val="tx1"/>
-          </a:fontRef>
-        </p:style>
-      </p:cxnSp>
-      <p:grpSp>
-        <p:nvGrpSpPr>
-          <p:cNvPr id="29" name="Groupe 28">
-            <a:extLst>
-              <a:ext uri="{FF2B5EF4-FFF2-40B4-BE49-F238E27FC236}">
-                <a16:creationId xmlns:a16="http://schemas.microsoft.com/office/drawing/2014/main" id="{7D1D0CE0-34D6-4653-9389-0BCF95A7041C}"/>
-              </a:ext>
-            </a:extLst>
-          </p:cNvPr>
-          <p:cNvGrpSpPr/>
-          <p:nvPr/>
-        </p:nvGrpSpPr>
-        <p:grpSpPr>
-          <a:xfrm>
-            <a:off x="838200" y="3305686"/>
-            <a:ext cx="1742095" cy="1396336"/>
-            <a:chOff x="4100282" y="2330823"/>
-            <a:chExt cx="3003491" cy="2407379"/>
-          </a:xfrm>
-        </p:grpSpPr>
-        <p:pic>
-          <p:nvPicPr>
-            <p:cNvPr id="17" name="Image 16">
-              <a:extLst>
-                <a:ext uri="{FF2B5EF4-FFF2-40B4-BE49-F238E27FC236}">
-                  <a16:creationId xmlns:a16="http://schemas.microsoft.com/office/drawing/2014/main" id="{235BB06D-C633-4A53-9BC6-773DD1B1D5F1}"/>
-                </a:ext>
-              </a:extLst>
-            </p:cNvPr>
-            <p:cNvPicPr>
-              <a:picLocks noChangeAspect="1"/>
-            </p:cNvPicPr>
-            <p:nvPr/>
-          </p:nvPicPr>
-          <p:blipFill>
-            <a:blip r:embed="rId6"/>
-            <a:stretch>
-              <a:fillRect/>
-            </a:stretch>
-          </p:blipFill>
-          <p:spPr>
-            <a:xfrm>
-              <a:off x="4100282" y="2330823"/>
-              <a:ext cx="3003491" cy="2407379"/>
-            </a:xfrm>
-            <a:prstGeom prst="rect">
-              <a:avLst/>
-            </a:prstGeom>
-          </p:spPr>
-        </p:pic>
-        <p:cxnSp>
-          <p:nvCxnSpPr>
-            <p:cNvPr id="18" name="Connecteur droit avec flèche 17">
-              <a:extLst>
-                <a:ext uri="{FF2B5EF4-FFF2-40B4-BE49-F238E27FC236}">
-                  <a16:creationId xmlns:a16="http://schemas.microsoft.com/office/drawing/2014/main" id="{C8DAECD5-4FA2-4853-BF89-B8907DE1F808}"/>
-                </a:ext>
-              </a:extLst>
-            </p:cNvPr>
-            <p:cNvCxnSpPr>
-              <a:cxnSpLocks/>
-            </p:cNvCxnSpPr>
-            <p:nvPr/>
-          </p:nvCxnSpPr>
-          <p:spPr>
-            <a:xfrm>
-              <a:off x="4961314" y="2794317"/>
-              <a:ext cx="1134686" cy="0"/>
-            </a:xfrm>
-            <a:prstGeom prst="straightConnector1">
-              <a:avLst/>
-            </a:prstGeom>
-            <a:ln w="57150">
-              <a:solidFill>
-                <a:srgbClr val="EAB200">
-                  <a:alpha val="61961"/>
-                </a:srgbClr>
-              </a:solidFill>
-              <a:prstDash val="solid"/>
-              <a:tailEnd type="triangle"/>
-            </a:ln>
-          </p:spPr>
-          <p:style>
-            <a:lnRef idx="1">
-              <a:schemeClr val="accent1"/>
-            </a:lnRef>
-            <a:fillRef idx="0">
-              <a:schemeClr val="accent1"/>
-            </a:fillRef>
-            <a:effectRef idx="0">
-              <a:schemeClr val="accent1"/>
-            </a:effectRef>
-            <a:fontRef idx="minor">
-              <a:schemeClr val="tx1"/>
-            </a:fontRef>
-          </p:style>
-        </p:cxnSp>
-        <p:cxnSp>
-          <p:nvCxnSpPr>
-            <p:cNvPr id="19" name="Connecteur droit avec flèche 18">
-              <a:extLst>
-                <a:ext uri="{FF2B5EF4-FFF2-40B4-BE49-F238E27FC236}">
-                  <a16:creationId xmlns:a16="http://schemas.microsoft.com/office/drawing/2014/main" id="{E731656E-AAEA-4F31-8F8E-3908AB25B8B6}"/>
-                </a:ext>
-              </a:extLst>
-            </p:cNvPr>
-            <p:cNvCxnSpPr>
-              <a:cxnSpLocks/>
-            </p:cNvCxnSpPr>
-            <p:nvPr/>
-          </p:nvCxnSpPr>
-          <p:spPr>
-            <a:xfrm>
-              <a:off x="4961314" y="4218565"/>
-              <a:ext cx="1134686" cy="0"/>
-            </a:xfrm>
-            <a:prstGeom prst="straightConnector1">
-              <a:avLst/>
-            </a:prstGeom>
-            <a:ln w="57150">
-              <a:solidFill>
-                <a:srgbClr val="EAB200">
-                  <a:alpha val="61961"/>
-                </a:srgbClr>
-              </a:solidFill>
-              <a:prstDash val="solid"/>
-              <a:tailEnd type="triangle"/>
-            </a:ln>
-          </p:spPr>
-          <p:style>
-            <a:lnRef idx="1">
-              <a:schemeClr val="accent1"/>
-            </a:lnRef>
-            <a:fillRef idx="0">
-              <a:schemeClr val="accent1"/>
-            </a:fillRef>
-            <a:effectRef idx="0">
-              <a:schemeClr val="accent1"/>
-            </a:effectRef>
-            <a:fontRef idx="minor">
-              <a:schemeClr val="tx1"/>
-            </a:fontRef>
-          </p:style>
-        </p:cxnSp>
-        <p:grpSp>
-          <p:nvGrpSpPr>
-            <p:cNvPr id="20" name="Groupe 19">
-              <a:extLst>
-                <a:ext uri="{FF2B5EF4-FFF2-40B4-BE49-F238E27FC236}">
-                  <a16:creationId xmlns:a16="http://schemas.microsoft.com/office/drawing/2014/main" id="{6CDBF920-59F4-4FC3-8D29-D0905AF71496}"/>
-                </a:ext>
-              </a:extLst>
-            </p:cNvPr>
-            <p:cNvGrpSpPr/>
-            <p:nvPr/>
-          </p:nvGrpSpPr>
-          <p:grpSpPr>
-            <a:xfrm rot="5400000">
-              <a:off x="5122415" y="3363366"/>
-              <a:ext cx="1013775" cy="287942"/>
-              <a:chOff x="2261062" y="5684174"/>
-              <a:chExt cx="1839220" cy="425665"/>
-            </a:xfrm>
-          </p:grpSpPr>
-          <p:grpSp>
-            <p:nvGrpSpPr>
-              <p:cNvPr id="21" name="Groupe 20">
-                <a:extLst>
-                  <a:ext uri="{FF2B5EF4-FFF2-40B4-BE49-F238E27FC236}">
-                    <a16:creationId xmlns:a16="http://schemas.microsoft.com/office/drawing/2014/main" id="{89DE70B9-2EC8-4D83-A7A1-08D237792E98}"/>
-                  </a:ext>
-                </a:extLst>
-              </p:cNvPr>
-              <p:cNvGrpSpPr/>
-              <p:nvPr/>
-            </p:nvGrpSpPr>
-            <p:grpSpPr>
-              <a:xfrm>
-                <a:off x="2261062" y="5684174"/>
-                <a:ext cx="1839220" cy="375804"/>
-                <a:chOff x="2261062" y="5684174"/>
-                <a:chExt cx="1839220" cy="375804"/>
-              </a:xfrm>
-            </p:grpSpPr>
-            <p:cxnSp>
-              <p:nvCxnSpPr>
-                <p:cNvPr id="24" name="Connecteur droit 23">
-                  <a:extLst>
-                    <a:ext uri="{FF2B5EF4-FFF2-40B4-BE49-F238E27FC236}">
-                      <a16:creationId xmlns:a16="http://schemas.microsoft.com/office/drawing/2014/main" id="{8CB1A9B7-2B08-4C9B-9BBD-B0BFA7955BF2}"/>
-                    </a:ext>
-                  </a:extLst>
-                </p:cNvPr>
-                <p:cNvCxnSpPr>
-                  <a:cxnSpLocks/>
-                </p:cNvCxnSpPr>
-                <p:nvPr/>
-              </p:nvCxnSpPr>
-              <p:spPr>
-                <a:xfrm>
-                  <a:off x="2261062" y="6059978"/>
-                  <a:ext cx="615142" cy="0"/>
-                </a:xfrm>
-                <a:prstGeom prst="line">
-                  <a:avLst/>
-                </a:prstGeom>
-                <a:solidFill>
-                  <a:srgbClr val="EAB200">
-                    <a:alpha val="63137"/>
-                  </a:srgbClr>
-                </a:solidFill>
-                <a:ln w="57150">
-                  <a:solidFill>
-                    <a:srgbClr val="EAB200">
-                      <a:alpha val="65882"/>
-                    </a:srgbClr>
-                  </a:solidFill>
-                </a:ln>
-              </p:spPr>
-              <p:style>
-                <a:lnRef idx="1">
-                  <a:schemeClr val="accent1"/>
-                </a:lnRef>
-                <a:fillRef idx="0">
-                  <a:schemeClr val="accent1"/>
-                </a:fillRef>
-                <a:effectRef idx="0">
-                  <a:schemeClr val="accent1"/>
-                </a:effectRef>
-                <a:fontRef idx="minor">
-                  <a:schemeClr val="tx1"/>
-                </a:fontRef>
-              </p:style>
-            </p:cxnSp>
-            <p:cxnSp>
-              <p:nvCxnSpPr>
-                <p:cNvPr id="25" name="Connecteur droit 24">
-                  <a:extLst>
-                    <a:ext uri="{FF2B5EF4-FFF2-40B4-BE49-F238E27FC236}">
-                      <a16:creationId xmlns:a16="http://schemas.microsoft.com/office/drawing/2014/main" id="{551C13F5-91FE-4C5F-A732-7F82DE0BA4C8}"/>
-                    </a:ext>
-                  </a:extLst>
-                </p:cNvPr>
-                <p:cNvCxnSpPr>
-                  <a:cxnSpLocks/>
-                </p:cNvCxnSpPr>
-                <p:nvPr/>
-              </p:nvCxnSpPr>
-              <p:spPr>
-                <a:xfrm flipH="1">
-                  <a:off x="2876204" y="5684174"/>
-                  <a:ext cx="278476" cy="375804"/>
-                </a:xfrm>
-                <a:prstGeom prst="line">
-                  <a:avLst/>
-                </a:prstGeom>
-                <a:solidFill>
-                  <a:srgbClr val="EAB200">
-                    <a:alpha val="63137"/>
-                  </a:srgbClr>
-                </a:solidFill>
-                <a:ln w="57150">
-                  <a:solidFill>
-                    <a:srgbClr val="EAB200">
-                      <a:alpha val="65882"/>
-                    </a:srgbClr>
-                  </a:solidFill>
-                </a:ln>
-              </p:spPr>
-              <p:style>
-                <a:lnRef idx="1">
-                  <a:schemeClr val="accent1"/>
-                </a:lnRef>
-                <a:fillRef idx="0">
-                  <a:schemeClr val="accent1"/>
-                </a:fillRef>
-                <a:effectRef idx="0">
-                  <a:schemeClr val="accent1"/>
-                </a:effectRef>
-                <a:fontRef idx="minor">
-                  <a:schemeClr val="tx1"/>
-                </a:fontRef>
-              </p:style>
-            </p:cxnSp>
-            <p:cxnSp>
-              <p:nvCxnSpPr>
-                <p:cNvPr id="26" name="Connecteur droit 25">
-                  <a:extLst>
-                    <a:ext uri="{FF2B5EF4-FFF2-40B4-BE49-F238E27FC236}">
-                      <a16:creationId xmlns:a16="http://schemas.microsoft.com/office/drawing/2014/main" id="{74270C3D-449A-4349-9C57-81B340A33B4D}"/>
-                    </a:ext>
-                  </a:extLst>
-                </p:cNvPr>
-                <p:cNvCxnSpPr>
-                  <a:cxnSpLocks/>
-                </p:cNvCxnSpPr>
-                <p:nvPr/>
-              </p:nvCxnSpPr>
-              <p:spPr>
-                <a:xfrm flipH="1">
-                  <a:off x="3433156" y="6059978"/>
-                  <a:ext cx="667126" cy="0"/>
-                </a:xfrm>
-                <a:prstGeom prst="line">
-                  <a:avLst/>
-                </a:prstGeom>
-                <a:solidFill>
-                  <a:srgbClr val="EAB200">
-                    <a:alpha val="63137"/>
-                  </a:srgbClr>
-                </a:solidFill>
-                <a:ln w="57150">
-                  <a:solidFill>
-                    <a:srgbClr val="EAB200">
-                      <a:alpha val="65882"/>
-                    </a:srgbClr>
-                  </a:solidFill>
-                </a:ln>
-              </p:spPr>
-              <p:style>
-                <a:lnRef idx="1">
-                  <a:schemeClr val="accent1"/>
-                </a:lnRef>
-                <a:fillRef idx="0">
-                  <a:schemeClr val="accent1"/>
-                </a:fillRef>
-                <a:effectRef idx="0">
-                  <a:schemeClr val="accent1"/>
-                </a:effectRef>
-                <a:fontRef idx="minor">
-                  <a:schemeClr val="tx1"/>
-                </a:fontRef>
-              </p:style>
-            </p:cxnSp>
-          </p:grpSp>
-          <p:sp>
-            <p:nvSpPr>
-              <p:cNvPr id="22" name="Ellipse 21">
-                <a:extLst>
-                  <a:ext uri="{FF2B5EF4-FFF2-40B4-BE49-F238E27FC236}">
-                    <a16:creationId xmlns:a16="http://schemas.microsoft.com/office/drawing/2014/main" id="{6DE904F0-1ED9-45B4-B393-BB9ADC7DA690}"/>
-                  </a:ext>
-                </a:extLst>
-              </p:cNvPr>
-              <p:cNvSpPr/>
-              <p:nvPr/>
-            </p:nvSpPr>
-            <p:spPr>
-              <a:xfrm>
-                <a:off x="3387933" y="6010117"/>
-                <a:ext cx="117515" cy="99722"/>
-              </a:xfrm>
-              <a:prstGeom prst="ellipse">
-                <a:avLst/>
-              </a:prstGeom>
-              <a:solidFill>
-                <a:srgbClr val="EAB200">
-                  <a:alpha val="63137"/>
-                </a:srgbClr>
-              </a:solidFill>
-              <a:ln>
-                <a:noFill/>
-              </a:ln>
-            </p:spPr>
-            <p:style>
-              <a:lnRef idx="2">
-                <a:schemeClr val="accent1">
-                  <a:shade val="50000"/>
-                </a:schemeClr>
-              </a:lnRef>
-              <a:fillRef idx="1">
-                <a:schemeClr val="accent1"/>
-              </a:fillRef>
-              <a:effectRef idx="0">
-                <a:schemeClr val="accent1"/>
-              </a:effectRef>
-              <a:fontRef idx="minor">
-                <a:schemeClr val="lt1"/>
-              </a:fontRef>
-            </p:style>
-            <p:txBody>
-              <a:bodyPr rtlCol="0" anchor="ctr"/>
-              <a:lstStyle/>
-              <a:p>
-                <a:pPr algn="ctr"/>
-                <a:endParaRPr lang="fr-CA"/>
-              </a:p>
-            </p:txBody>
-          </p:sp>
-          <p:sp>
-            <p:nvSpPr>
-              <p:cNvPr id="23" name="Ellipse 22">
-                <a:extLst>
-                  <a:ext uri="{FF2B5EF4-FFF2-40B4-BE49-F238E27FC236}">
-                    <a16:creationId xmlns:a16="http://schemas.microsoft.com/office/drawing/2014/main" id="{148F94C6-0BC9-46F4-895C-25CCDAB2DE23}"/>
-                  </a:ext>
-                </a:extLst>
-              </p:cNvPr>
-              <p:cNvSpPr/>
-              <p:nvPr/>
-            </p:nvSpPr>
-            <p:spPr>
-              <a:xfrm>
-                <a:off x="2832863" y="6010117"/>
-                <a:ext cx="117515" cy="99722"/>
-              </a:xfrm>
-              <a:prstGeom prst="ellipse">
-                <a:avLst/>
-              </a:prstGeom>
-              <a:solidFill>
-                <a:srgbClr val="EAB200">
-                  <a:alpha val="63137"/>
-                </a:srgbClr>
-              </a:solidFill>
-              <a:ln>
-                <a:noFill/>
-              </a:ln>
-            </p:spPr>
-            <p:style>
-              <a:lnRef idx="2">
-                <a:schemeClr val="accent1">
-                  <a:shade val="50000"/>
-                </a:schemeClr>
-              </a:lnRef>
-              <a:fillRef idx="1">
-                <a:schemeClr val="accent1"/>
-              </a:fillRef>
-              <a:effectRef idx="0">
-                <a:schemeClr val="accent1"/>
-              </a:effectRef>
-              <a:fontRef idx="minor">
-                <a:schemeClr val="lt1"/>
-              </a:fontRef>
-            </p:style>
-            <p:txBody>
-              <a:bodyPr rtlCol="0" anchor="ctr"/>
-              <a:lstStyle/>
-              <a:p>
-                <a:pPr algn="ctr"/>
-                <a:endParaRPr lang="fr-CA"/>
-              </a:p>
-            </p:txBody>
-          </p:sp>
-        </p:grpSp>
-      </p:grpSp>
-    </p:spTree>
-    <p:extLst>
-      <p:ext uri="{BB962C8B-B14F-4D97-AF65-F5344CB8AC3E}">
-        <p14:creationId xmlns:p14="http://schemas.microsoft.com/office/powerpoint/2010/main" val="3713269728"/>
-      </p:ext>
-    </p:extLst>
-  </p:cSld>
-  <p:clrMapOvr>
-    <a:masterClrMapping/>
-  </p:clrMapOvr>
-</p:sld>
-</file>
-
-<file path=ppt/slides/slide5.xml><?xml version="1.0" encoding="utf-8"?>
-<p:sld xmlns:a="http://schemas.openxmlformats.org/drawingml/2006/main" xmlns:r="http://schemas.openxmlformats.org/officeDocument/2006/relationships" xmlns:p="http://schemas.openxmlformats.org/presentationml/2006/main">
-  <p:cSld>
-    <p:spTree>
-      <p:nvGrpSpPr>
-        <p:cNvPr id="1" name=""/>
-        <p:cNvGrpSpPr/>
-        <p:nvPr/>
-      </p:nvGrpSpPr>
-      <p:grpSpPr>
-        <a:xfrm>
-          <a:off x="0" y="0"/>
-          <a:ext cx="0" cy="0"/>
-          <a:chOff x="0" y="0"/>
-          <a:chExt cx="0" cy="0"/>
-        </a:xfrm>
-      </p:grpSpPr>
-      <p:pic>
-        <p:nvPicPr>
-          <p:cNvPr id="4" name="Image 3">
-            <a:extLst>
-              <a:ext uri="{FF2B5EF4-FFF2-40B4-BE49-F238E27FC236}">
-                <a16:creationId xmlns:a16="http://schemas.microsoft.com/office/drawing/2014/main" id="{DDFD9DC0-BCF7-451A-AA96-21B57168DF0B}"/>
-              </a:ext>
-            </a:extLst>
-          </p:cNvPr>
-          <p:cNvPicPr>
-            <a:picLocks noChangeAspect="1"/>
-          </p:cNvPicPr>
-          <p:nvPr/>
-        </p:nvPicPr>
-        <p:blipFill>
-          <a:blip r:embed="rId3"/>
-          <a:stretch>
-            <a:fillRect/>
-          </a:stretch>
-        </p:blipFill>
-        <p:spPr>
-          <a:xfrm>
-            <a:off x="5979047" y="1384419"/>
-            <a:ext cx="5597328" cy="5062290"/>
-          </a:xfrm>
-          <a:prstGeom prst="rect">
-            <a:avLst/>
-          </a:prstGeom>
-        </p:spPr>
-      </p:pic>
-      <p:sp>
-        <p:nvSpPr>
-          <p:cNvPr id="2" name="Titre 1">
-            <a:extLst>
-              <a:ext uri="{FF2B5EF4-FFF2-40B4-BE49-F238E27FC236}">
-                <a16:creationId xmlns:a16="http://schemas.microsoft.com/office/drawing/2014/main" id="{AC700E58-93C8-47B7-AEBA-3C9EFCD99859}"/>
-              </a:ext>
-            </a:extLst>
-          </p:cNvPr>
-          <p:cNvSpPr>
-            <a:spLocks noGrp="1"/>
-          </p:cNvSpPr>
-          <p:nvPr>
-            <p:ph type="title"/>
-          </p:nvPr>
-        </p:nvSpPr>
-        <p:spPr>
-          <a:xfrm>
-            <a:off x="836612" y="525953"/>
-            <a:ext cx="10739763" cy="781553"/>
-          </a:xfrm>
-        </p:spPr>
-        <p:txBody>
-          <a:bodyPr>
-            <a:normAutofit fontScale="90000"/>
-          </a:bodyPr>
-          <a:lstStyle/>
-          <a:p>
-            <a:r>
-              <a:rPr lang="fr-CA" dirty="0"/>
-              <a:t>Exercice 3 (sommatif) : allumer deux lumières DEL à partir de deux interrupteurs</a:t>
-            </a:r>
-          </a:p>
-        </p:txBody>
-      </p:sp>
-      <p:sp>
-        <p:nvSpPr>
-          <p:cNvPr id="8" name="ZoneTexte 7">
-            <a:extLst>
-              <a:ext uri="{FF2B5EF4-FFF2-40B4-BE49-F238E27FC236}">
-                <a16:creationId xmlns:a16="http://schemas.microsoft.com/office/drawing/2014/main" id="{27992A98-66A0-4B4B-892F-D53494B87B50}"/>
-              </a:ext>
-            </a:extLst>
-          </p:cNvPr>
-          <p:cNvSpPr txBox="1"/>
-          <p:nvPr/>
-        </p:nvSpPr>
-        <p:spPr>
-          <a:xfrm>
-            <a:off x="4615343" y="1319618"/>
-            <a:ext cx="1926806" cy="769441"/>
-          </a:xfrm>
-          <a:prstGeom prst="rect">
-            <a:avLst/>
-          </a:prstGeom>
-          <a:solidFill>
-            <a:schemeClr val="accent4"/>
-          </a:solidFill>
-          <a:ln>
-            <a:noFill/>
-          </a:ln>
-        </p:spPr>
-        <p:style>
-          <a:lnRef idx="2">
-            <a:schemeClr val="dk1">
-              <a:shade val="50000"/>
-            </a:schemeClr>
-          </a:lnRef>
-          <a:fillRef idx="1">
-            <a:schemeClr val="dk1"/>
-          </a:fillRef>
-          <a:effectRef idx="0">
-            <a:schemeClr val="dk1"/>
-          </a:effectRef>
-          <a:fontRef idx="minor">
-            <a:schemeClr val="lt1"/>
-          </a:fontRef>
-        </p:style>
-        <p:txBody>
-          <a:bodyPr wrap="square" rtlCol="0">
-            <a:spAutoFit/>
-          </a:bodyPr>
-          <a:lstStyle/>
-          <a:p>
-            <a:pPr algn="ctr"/>
-            <a:r>
-              <a:rPr lang="fr-CA" sz="1100" dirty="0">
-                <a:solidFill>
-                  <a:schemeClr val="accent3"/>
-                </a:solidFill>
-              </a:rPr>
-              <a:t>Branchez la prise USB après vous être assuré que vous n’avez pas commis d’erreur fatale</a:t>
-            </a:r>
-            <a:endParaRPr lang="fr-CA" sz="1100" b="1" dirty="0">
-              <a:solidFill>
-                <a:schemeClr val="accent3"/>
-              </a:solidFill>
-            </a:endParaRPr>
-          </a:p>
-        </p:txBody>
-      </p:sp>
-      <p:pic>
-        <p:nvPicPr>
-          <p:cNvPr id="9" name="Image 8">
-            <a:extLst>
-              <a:ext uri="{FF2B5EF4-FFF2-40B4-BE49-F238E27FC236}">
-                <a16:creationId xmlns:a16="http://schemas.microsoft.com/office/drawing/2014/main" id="{4FA2700E-74B7-49A8-9076-3245E642A949}"/>
-              </a:ext>
-            </a:extLst>
-          </p:cNvPr>
-          <p:cNvPicPr>
-            <a:picLocks noChangeAspect="1"/>
-          </p:cNvPicPr>
-          <p:nvPr/>
-        </p:nvPicPr>
-        <p:blipFill>
-          <a:blip r:embed="rId4"/>
-          <a:stretch>
-            <a:fillRect/>
-          </a:stretch>
-        </p:blipFill>
-        <p:spPr>
-          <a:xfrm>
-            <a:off x="6395778" y="1281325"/>
-            <a:ext cx="567497" cy="781553"/>
-          </a:xfrm>
-          <a:prstGeom prst="rect">
-            <a:avLst/>
-          </a:prstGeom>
-        </p:spPr>
-      </p:pic>
-      <p:pic>
-        <p:nvPicPr>
-          <p:cNvPr id="6" name="Média en ligne 5" title="Exercice 3 : allumer deux DEL avec des interrupteurs">
-            <a:hlinkClick r:id="" action="ppaction://media"/>
-            <a:extLst>
-              <a:ext uri="{FF2B5EF4-FFF2-40B4-BE49-F238E27FC236}">
-                <a16:creationId xmlns:a16="http://schemas.microsoft.com/office/drawing/2014/main" id="{8DA005AB-EDAE-40A4-85B0-E2FFF6573162}"/>
-              </a:ext>
-            </a:extLst>
-          </p:cNvPr>
-          <p:cNvPicPr>
-            <a:picLocks noRot="1" noChangeAspect="1"/>
-          </p:cNvPicPr>
-          <p:nvPr>
-            <a:videoFile r:link="rId1"/>
-          </p:nvPr>
-        </p:nvPicPr>
-        <p:blipFill>
-          <a:blip r:embed="rId5"/>
-          <a:stretch>
-            <a:fillRect/>
-          </a:stretch>
-        </p:blipFill>
-        <p:spPr>
-          <a:xfrm>
-            <a:off x="1595438" y="3741017"/>
-            <a:ext cx="3912075" cy="2200542"/>
-          </a:xfrm>
-          <a:prstGeom prst="rect">
-            <a:avLst/>
-          </a:prstGeom>
-        </p:spPr>
-      </p:pic>
-      <p:sp>
-        <p:nvSpPr>
-          <p:cNvPr id="7" name="ZoneTexte 6">
-            <a:extLst>
-              <a:ext uri="{FF2B5EF4-FFF2-40B4-BE49-F238E27FC236}">
-                <a16:creationId xmlns:a16="http://schemas.microsoft.com/office/drawing/2014/main" id="{47FB0EE6-BBB9-4E65-A25A-5AB776B92838}"/>
-              </a:ext>
-            </a:extLst>
-          </p:cNvPr>
-          <p:cNvSpPr txBox="1"/>
-          <p:nvPr/>
-        </p:nvSpPr>
-        <p:spPr>
-          <a:xfrm>
-            <a:off x="1503378" y="2505670"/>
-            <a:ext cx="4096193" cy="923330"/>
-          </a:xfrm>
-          <a:prstGeom prst="rect">
-            <a:avLst/>
-          </a:prstGeom>
-          <a:noFill/>
-        </p:spPr>
-        <p:txBody>
-          <a:bodyPr wrap="square" rtlCol="0">
-            <a:spAutoFit/>
-          </a:bodyPr>
-          <a:lstStyle/>
-          <a:p>
-            <a:r>
-              <a:rPr lang="fr-CA" dirty="0"/>
-              <a:t>Réalisez le circuit de droite qui est simplement l’ajout d’un interrupteur et d’une DEL à l’exercice 2.</a:t>
-            </a:r>
-          </a:p>
-        </p:txBody>
-      </p:sp>
-    </p:spTree>
-    <p:extLst>
-      <p:ext uri="{BB962C8B-B14F-4D97-AF65-F5344CB8AC3E}">
-        <p14:creationId xmlns:p14="http://schemas.microsoft.com/office/powerpoint/2010/main" val="4117852690"/>
-      </p:ext>
-    </p:extLst>
-  </p:cSld>
-  <p:clrMapOvr>
-    <a:masterClrMapping/>
-  </p:clrMapOvr>
-  <p:timing>
-    <p:tnLst>
-      <p:par>
-        <p:cTn id="1" dur="indefinite" restart="never" nodeType="tmRoot">
-          <p:childTnLst>
-            <p:seq concurrent="1" nextAc="seek">
-              <p:cTn id="2" dur="indefinite" nodeType="mainSeq">
-                <p:childTnLst>
-                  <p:par>
-                    <p:cTn id="3" fill="hold">
-                      <p:stCondLst>
-                        <p:cond delay="indefinite"/>
-                      </p:stCondLst>
-                      <p:childTnLst>
-                        <p:par>
-                          <p:cTn id="4" fill="hold">
-                            <p:stCondLst>
-                              <p:cond delay="0"/>
-                            </p:stCondLst>
-                            <p:childTnLst>
-                              <p:par>
-                                <p:cTn id="5" presetID="1" presetClass="mediacall" presetSubtype="0" fill="hold" nodeType="clickEffect">
-                                  <p:stCondLst>
-                                    <p:cond delay="0"/>
-                                  </p:stCondLst>
-                                  <p:childTnLst>
-                                    <p:cmd type="call" cmd="playFrom(0.0)">
-                                      <p:cBhvr>
-                                        <p:cTn id="6" dur="1" fill="hold"/>
-                                        <p:tgtEl>
-                                          <p:spTgt spid="6"/>
-                                        </p:tgtEl>
-                                      </p:cBhvr>
-                                    </p:cmd>
-                                  </p:childTnLst>
-                                </p:cTn>
-                              </p:par>
-                            </p:childTnLst>
-                          </p:cTn>
-                        </p:par>
-                      </p:childTnLst>
-                    </p:cTn>
-                  </p:par>
-                </p:childTnLst>
-              </p:cTn>
-              <p:prevCondLst>
-                <p:cond evt="onPrev" delay="0">
-                  <p:tgtEl>
-                    <p:sldTgt/>
-                  </p:tgtEl>
-                </p:cond>
-              </p:prevCondLst>
-              <p:nextCondLst>
-                <p:cond evt="onNext" delay="0">
-                  <p:tgtEl>
-                    <p:sldTgt/>
-                  </p:tgtEl>
-                </p:cond>
-              </p:nextCondLst>
-            </p:seq>
-            <p:video>
-              <p:cMediaNode vol="80000">
-                <p:cTn id="7" fill="hold" display="0">
-                  <p:stCondLst>
-                    <p:cond delay="indefinite"/>
-                  </p:stCondLst>
-                </p:cTn>
-                <p:tgtEl>
-                  <p:spTgt spid="6"/>
-                </p:tgtEl>
-              </p:cMediaNode>
-            </p:video>
-            <p:seq concurrent="1" nextAc="seek">
-              <p:cTn id="8" restart="whenNotActive" fill="hold" evtFilter="cancelBubble" nodeType="interactiveSeq">
-                <p:stCondLst>
-                  <p:cond evt="onClick" delay="0">
-                    <p:tgtEl>
-                      <p:spTgt spid="6"/>
-                    </p:tgtEl>
-                  </p:cond>
-                </p:stCondLst>
-                <p:endSync evt="end" delay="0">
-                  <p:rtn val="all"/>
-                </p:endSync>
-                <p:childTnLst>
-                  <p:par>
-                    <p:cTn id="9" fill="hold">
-                      <p:stCondLst>
-                        <p:cond delay="0"/>
-                      </p:stCondLst>
-                      <p:childTnLst>
-                        <p:par>
-                          <p:cTn id="10" fill="hold">
-                            <p:stCondLst>
-                              <p:cond delay="0"/>
-                            </p:stCondLst>
-                            <p:childTnLst>
-                              <p:par>
-                                <p:cTn id="11" presetID="2" presetClass="mediacall" presetSubtype="0" fill="hold" nodeType="clickEffect">
-                                  <p:stCondLst>
-                                    <p:cond delay="0"/>
-                                  </p:stCondLst>
-                                  <p:childTnLst>
-                                    <p:cmd type="call" cmd="togglePause">
-                                      <p:cBhvr>
-                                        <p:cTn id="12" dur="1" fill="hold"/>
-                                        <p:tgtEl>
-                                          <p:spTgt spid="6"/>
-                                        </p:tgtEl>
-                                      </p:cBhvr>
-                                    </p:cmd>
-                                  </p:childTnLst>
-                                </p:cTn>
-                              </p:par>
-                            </p:childTnLst>
-                          </p:cTn>
-                        </p:par>
-                      </p:childTnLst>
-                    </p:cTn>
-                  </p:par>
-                </p:childTnLst>
-              </p:cTn>
-              <p:nextCondLst>
-                <p:cond evt="onClick" delay="0">
-                  <p:tgtEl>
-                    <p:spTgt spid="6"/>
-                  </p:tgtEl>
-                </p:cond>
-              </p:nextCondLst>
-            </p:seq>
-          </p:childTnLst>
-        </p:cTn>
-      </p:par>
-    </p:tnLst>
-  </p:timing>
-</p:sld>
-</file>
-
-<file path=ppt/slides/slide6.xml><?xml version="1.0" encoding="utf-8"?>
-<p:sld xmlns:a="http://schemas.openxmlformats.org/drawingml/2006/main" xmlns:r="http://schemas.openxmlformats.org/officeDocument/2006/relationships" xmlns:p="http://schemas.openxmlformats.org/presentationml/2006/main">
-  <p:cSld>
-    <p:spTree>
-      <p:nvGrpSpPr>
-        <p:cNvPr id="1" name=""/>
-        <p:cNvGrpSpPr/>
-        <p:nvPr/>
-      </p:nvGrpSpPr>
-      <p:grpSpPr>
-        <a:xfrm>
-          <a:off x="0" y="0"/>
-          <a:ext cx="0" cy="0"/>
-          <a:chOff x="0" y="0"/>
-          <a:chExt cx="0" cy="0"/>
-        </a:xfrm>
-      </p:grpSpPr>
-      <p:sp>
-        <p:nvSpPr>
-          <p:cNvPr id="2" name="Titre 1">
-            <a:extLst>
-              <a:ext uri="{FF2B5EF4-FFF2-40B4-BE49-F238E27FC236}">
-                <a16:creationId xmlns:a16="http://schemas.microsoft.com/office/drawing/2014/main" id="{B0F89600-5E22-4431-A178-0BE49D32521D}"/>
-              </a:ext>
-            </a:extLst>
-          </p:cNvPr>
-          <p:cNvSpPr>
-            <a:spLocks noGrp="1"/>
-          </p:cNvSpPr>
-          <p:nvPr>
-            <p:ph type="title"/>
-          </p:nvPr>
-        </p:nvSpPr>
-        <p:spPr/>
-        <p:txBody>
-          <a:bodyPr>
-            <a:normAutofit/>
-          </a:bodyPr>
-          <a:lstStyle/>
-          <a:p>
-            <a:r>
-              <a:rPr lang="fr-CA" dirty="0"/>
-              <a:t>BRANCHER UN INTERRUPTEUR EN MODE «INPUT_PULLUP»</a:t>
-            </a:r>
-          </a:p>
-        </p:txBody>
-      </p:sp>
-      <p:pic>
-        <p:nvPicPr>
-          <p:cNvPr id="4" name="Image 3">
-            <a:extLst>
-              <a:ext uri="{FF2B5EF4-FFF2-40B4-BE49-F238E27FC236}">
-                <a16:creationId xmlns:a16="http://schemas.microsoft.com/office/drawing/2014/main" id="{41A1F6EF-7EF5-4F6C-AE2A-148E2A6BA635}"/>
-              </a:ext>
-            </a:extLst>
-          </p:cNvPr>
-          <p:cNvPicPr>
-            <a:picLocks noChangeAspect="1"/>
-          </p:cNvPicPr>
-          <p:nvPr/>
-        </p:nvPicPr>
-        <p:blipFill rotWithShape="1">
-          <a:blip r:embed="rId2"/>
-          <a:srcRect r="9261"/>
-          <a:stretch/>
-        </p:blipFill>
-        <p:spPr>
-          <a:xfrm>
-            <a:off x="4317824" y="2100661"/>
-            <a:ext cx="2378252" cy="3764280"/>
-          </a:xfrm>
-          <a:prstGeom prst="rect">
-            <a:avLst/>
-          </a:prstGeom>
-        </p:spPr>
-      </p:pic>
-      <p:pic>
-        <p:nvPicPr>
-          <p:cNvPr id="5" name="Image 4">
-            <a:extLst>
-              <a:ext uri="{FF2B5EF4-FFF2-40B4-BE49-F238E27FC236}">
-                <a16:creationId xmlns:a16="http://schemas.microsoft.com/office/drawing/2014/main" id="{52D99366-B43C-4A34-8C9E-63EDDE26EEAF}"/>
-              </a:ext>
-            </a:extLst>
-          </p:cNvPr>
-          <p:cNvPicPr>
-            <a:picLocks noChangeAspect="1"/>
-          </p:cNvPicPr>
-          <p:nvPr/>
-        </p:nvPicPr>
-        <p:blipFill>
-          <a:blip r:embed="rId3"/>
-          <a:stretch>
-            <a:fillRect/>
-          </a:stretch>
-        </p:blipFill>
-        <p:spPr>
-          <a:xfrm>
-            <a:off x="982900" y="1825178"/>
-            <a:ext cx="2704425" cy="4150227"/>
-          </a:xfrm>
-          <a:prstGeom prst="rect">
-            <a:avLst/>
-          </a:prstGeom>
-        </p:spPr>
-      </p:pic>
-      <p:sp>
-        <p:nvSpPr>
-          <p:cNvPr id="6" name="ZoneTexte 5">
-            <a:extLst>
-              <a:ext uri="{FF2B5EF4-FFF2-40B4-BE49-F238E27FC236}">
-                <a16:creationId xmlns:a16="http://schemas.microsoft.com/office/drawing/2014/main" id="{FBE8C74D-A8E6-4E16-8FDD-928502EE22ED}"/>
-              </a:ext>
-            </a:extLst>
-          </p:cNvPr>
-          <p:cNvSpPr txBox="1"/>
-          <p:nvPr/>
-        </p:nvSpPr>
-        <p:spPr>
-          <a:xfrm>
-            <a:off x="7025640" y="1690688"/>
-            <a:ext cx="4084320" cy="2031325"/>
-          </a:xfrm>
-          <a:prstGeom prst="rect">
-            <a:avLst/>
-          </a:prstGeom>
-          <a:noFill/>
-        </p:spPr>
-        <p:txBody>
-          <a:bodyPr wrap="square" rtlCol="0">
-            <a:spAutoFit/>
-          </a:bodyPr>
-          <a:lstStyle/>
-          <a:p>
-            <a:r>
-              <a:rPr lang="fr-CA" dirty="0"/>
-              <a:t>Il existe plusieurs façon de brancher un interrupteur à un microcontrôleur. Nous voyons ici la méthode avec une </a:t>
-            </a:r>
-            <a:r>
-              <a:rPr lang="fr-CA" b="1" dirty="0"/>
-              <a:t>résistance de rappel interne</a:t>
-            </a:r>
-            <a:r>
-              <a:rPr lang="fr-CA" dirty="0"/>
-              <a:t>. Dans le code, il faut activer ce mode avec la fonction </a:t>
-            </a:r>
-            <a:r>
-              <a:rPr lang="fr-CA" dirty="0" err="1"/>
-              <a:t>pinMode</a:t>
-            </a:r>
-            <a:r>
-              <a:rPr lang="fr-CA" dirty="0"/>
-              <a:t>() ainsi :</a:t>
-            </a:r>
-          </a:p>
-          <a:p>
-            <a:endParaRPr lang="fr-CA" dirty="0"/>
-          </a:p>
-        </p:txBody>
-      </p:sp>
-      <p:pic>
-        <p:nvPicPr>
-          <p:cNvPr id="7" name="Image 6">
-            <a:extLst>
-              <a:ext uri="{FF2B5EF4-FFF2-40B4-BE49-F238E27FC236}">
-                <a16:creationId xmlns:a16="http://schemas.microsoft.com/office/drawing/2014/main" id="{3A75FBE1-CC72-4599-84F8-3A686A7A10B6}"/>
-              </a:ext>
-            </a:extLst>
-          </p:cNvPr>
-          <p:cNvPicPr>
-            <a:picLocks noChangeAspect="1"/>
-          </p:cNvPicPr>
-          <p:nvPr/>
-        </p:nvPicPr>
-        <p:blipFill>
-          <a:blip r:embed="rId4"/>
-          <a:stretch>
-            <a:fillRect/>
-          </a:stretch>
-        </p:blipFill>
-        <p:spPr>
-          <a:xfrm>
-            <a:off x="7025640" y="3499063"/>
-            <a:ext cx="4183460" cy="294206"/>
-          </a:xfrm>
-          <a:prstGeom prst="rect">
-            <a:avLst/>
-          </a:prstGeom>
-        </p:spPr>
-      </p:pic>
-      <p:sp>
-        <p:nvSpPr>
-          <p:cNvPr id="8" name="ZoneTexte 7">
-            <a:extLst>
-              <a:ext uri="{FF2B5EF4-FFF2-40B4-BE49-F238E27FC236}">
-                <a16:creationId xmlns:a16="http://schemas.microsoft.com/office/drawing/2014/main" id="{373D78AD-E9FC-45A5-8180-93F32701876E}"/>
-              </a:ext>
-            </a:extLst>
-          </p:cNvPr>
-          <p:cNvSpPr txBox="1"/>
-          <p:nvPr/>
-        </p:nvSpPr>
-        <p:spPr>
-          <a:xfrm>
-            <a:off x="7025640" y="3982801"/>
-            <a:ext cx="4084320" cy="2308324"/>
-          </a:xfrm>
-          <a:prstGeom prst="rect">
-            <a:avLst/>
-          </a:prstGeom>
-          <a:noFill/>
-        </p:spPr>
-        <p:txBody>
-          <a:bodyPr wrap="square" rtlCol="0">
-            <a:spAutoFit/>
-          </a:bodyPr>
-          <a:lstStyle/>
-          <a:p>
-            <a:r>
-              <a:rPr lang="fr-CA" dirty="0"/>
-              <a:t>Lorsque le bouton n’est pas appuyé, il y a 5V (HIGH) à la broche 5 : la résistance de rappel interne est branchée au 5V et maintient l’entrée à ce niveau par défaut.</a:t>
-            </a:r>
-          </a:p>
-          <a:p>
-            <a:endParaRPr lang="fr-CA" dirty="0"/>
-          </a:p>
-          <a:p>
-            <a:r>
-              <a:rPr lang="fr-CA" dirty="0"/>
-              <a:t>Lorsque le bouton est appuyé, il y a 0V (LOW) à la broche 5 : la broche 5 est directement relié au GND (0V).</a:t>
-            </a:r>
-          </a:p>
-        </p:txBody>
-      </p:sp>
-    </p:spTree>
-    <p:extLst>
-      <p:ext uri="{BB962C8B-B14F-4D97-AF65-F5344CB8AC3E}">
-        <p14:creationId xmlns:p14="http://schemas.microsoft.com/office/powerpoint/2010/main" val="1113188137"/>
-      </p:ext>
-    </p:extLst>
-  </p:cSld>
-  <p:clrMapOvr>
-    <a:masterClrMapping/>
-  </p:clrMapOvr>
-</p:sld>
-</file>
-
-<file path=ppt/slides/slide7.xml><?xml version="1.0" encoding="utf-8"?>
-<p:sld xmlns:a="http://schemas.openxmlformats.org/drawingml/2006/main" xmlns:r="http://schemas.openxmlformats.org/officeDocument/2006/relationships" xmlns:p="http://schemas.openxmlformats.org/presentationml/2006/main">
-  <p:cSld>
-    <p:spTree>
-      <p:nvGrpSpPr>
-        <p:cNvPr id="1" name=""/>
-        <p:cNvGrpSpPr/>
-        <p:nvPr/>
-      </p:nvGrpSpPr>
-      <p:grpSpPr>
-        <a:xfrm>
-          <a:off x="0" y="0"/>
-          <a:ext cx="0" cy="0"/>
-          <a:chOff x="0" y="0"/>
-          <a:chExt cx="0" cy="0"/>
-        </a:xfrm>
-      </p:grpSpPr>
-      <p:sp>
-        <p:nvSpPr>
-          <p:cNvPr id="2" name="Titre 1">
-            <a:extLst>
-              <a:ext uri="{FF2B5EF4-FFF2-40B4-BE49-F238E27FC236}">
-                <a16:creationId xmlns:a16="http://schemas.microsoft.com/office/drawing/2014/main" id="{B0F89600-5E22-4431-A178-0BE49D32521D}"/>
-              </a:ext>
-            </a:extLst>
-          </p:cNvPr>
-          <p:cNvSpPr>
-            <a:spLocks noGrp="1"/>
-          </p:cNvSpPr>
-          <p:nvPr>
-            <p:ph type="title"/>
-          </p:nvPr>
-        </p:nvSpPr>
-        <p:spPr/>
-        <p:txBody>
-          <a:bodyPr>
-            <a:noAutofit/>
-          </a:bodyPr>
-          <a:lstStyle/>
-          <a:p>
-            <a:r>
-              <a:rPr lang="fr-CA" sz="3200" dirty="0"/>
-              <a:t>ALLUMER UNE DEL À PARTIR D’UN INTERRUPTEUR (INPUT_PULUP) AVEC DU CODE</a:t>
-            </a:r>
-          </a:p>
-        </p:txBody>
-      </p:sp>
-      <p:pic>
-        <p:nvPicPr>
-          <p:cNvPr id="8" name="Image 7">
-            <a:extLst>
-              <a:ext uri="{FF2B5EF4-FFF2-40B4-BE49-F238E27FC236}">
-                <a16:creationId xmlns:a16="http://schemas.microsoft.com/office/drawing/2014/main" id="{604651E0-0E21-42F2-9EA6-A9A4D8D611D6}"/>
-              </a:ext>
-            </a:extLst>
-          </p:cNvPr>
-          <p:cNvPicPr>
-            <a:picLocks noChangeAspect="1"/>
-          </p:cNvPicPr>
-          <p:nvPr/>
-        </p:nvPicPr>
-        <p:blipFill rotWithShape="1">
-          <a:blip r:embed="rId2"/>
-          <a:srcRect r="8350"/>
-          <a:stretch/>
-        </p:blipFill>
-        <p:spPr>
-          <a:xfrm>
-            <a:off x="3671289" y="2004059"/>
-            <a:ext cx="2881911" cy="3917871"/>
-          </a:xfrm>
-          <a:prstGeom prst="rect">
-            <a:avLst/>
-          </a:prstGeom>
-        </p:spPr>
-      </p:pic>
-      <p:pic>
-        <p:nvPicPr>
-          <p:cNvPr id="9" name="Image 8">
-            <a:extLst>
-              <a:ext uri="{FF2B5EF4-FFF2-40B4-BE49-F238E27FC236}">
-                <a16:creationId xmlns:a16="http://schemas.microsoft.com/office/drawing/2014/main" id="{FF870759-A306-4C82-8952-131E29D9BCDE}"/>
-              </a:ext>
-            </a:extLst>
-          </p:cNvPr>
-          <p:cNvPicPr>
-            <a:picLocks noChangeAspect="1"/>
-          </p:cNvPicPr>
-          <p:nvPr/>
-        </p:nvPicPr>
-        <p:blipFill>
-          <a:blip r:embed="rId3"/>
-          <a:stretch>
-            <a:fillRect/>
-          </a:stretch>
-        </p:blipFill>
-        <p:spPr>
-          <a:xfrm>
-            <a:off x="827454" y="1913424"/>
-            <a:ext cx="2744799" cy="3820209"/>
-          </a:xfrm>
-          <a:prstGeom prst="rect">
-            <a:avLst/>
-          </a:prstGeom>
-        </p:spPr>
-      </p:pic>
-      <p:pic>
-        <p:nvPicPr>
-          <p:cNvPr id="10" name="Image 9">
-            <a:extLst>
-              <a:ext uri="{FF2B5EF4-FFF2-40B4-BE49-F238E27FC236}">
-                <a16:creationId xmlns:a16="http://schemas.microsoft.com/office/drawing/2014/main" id="{C0B703F5-9CCE-4268-B3B6-F5BED0488697}"/>
-              </a:ext>
-            </a:extLst>
-          </p:cNvPr>
-          <p:cNvPicPr>
-            <a:picLocks noChangeAspect="1"/>
-          </p:cNvPicPr>
-          <p:nvPr/>
-        </p:nvPicPr>
-        <p:blipFill rotWithShape="1">
-          <a:blip r:embed="rId4"/>
-          <a:srcRect l="1323"/>
-          <a:stretch/>
-        </p:blipFill>
-        <p:spPr>
-          <a:xfrm>
-            <a:off x="7097621" y="2085974"/>
-            <a:ext cx="4266925" cy="3066633"/>
-          </a:xfrm>
-          <a:prstGeom prst="rect">
-            <a:avLst/>
-          </a:prstGeom>
-        </p:spPr>
-      </p:pic>
-    </p:spTree>
-    <p:extLst>
-      <p:ext uri="{BB962C8B-B14F-4D97-AF65-F5344CB8AC3E}">
-        <p14:creationId xmlns:p14="http://schemas.microsoft.com/office/powerpoint/2010/main" val="3545522467"/>
-      </p:ext>
-    </p:extLst>
-  </p:cSld>
-  <p:clrMapOvr>
-    <a:masterClrMapping/>
-  </p:clrMapOvr>
-</p:sld>
-</file>
-
-<file path=ppt/slides/slide8.xml><?xml version="1.0" encoding="utf-8"?>
-<p:sld xmlns:a="http://schemas.openxmlformats.org/drawingml/2006/main" xmlns:r="http://schemas.openxmlformats.org/officeDocument/2006/relationships" xmlns:p="http://schemas.openxmlformats.org/presentationml/2006/main">
-  <p:cSld>
-    <p:spTree>
-      <p:nvGrpSpPr>
-        <p:cNvPr id="1" name=""/>
-        <p:cNvGrpSpPr/>
-        <p:nvPr/>
-      </p:nvGrpSpPr>
-      <p:grpSpPr>
-        <a:xfrm>
-          <a:off x="0" y="0"/>
-          <a:ext cx="0" cy="0"/>
-          <a:chOff x="0" y="0"/>
-          <a:chExt cx="0" cy="0"/>
-        </a:xfrm>
-      </p:grpSpPr>
-      <p:sp>
-        <p:nvSpPr>
-          <p:cNvPr id="2" name="Titre 1">
-            <a:extLst>
-              <a:ext uri="{FF2B5EF4-FFF2-40B4-BE49-F238E27FC236}">
-                <a16:creationId xmlns:a16="http://schemas.microsoft.com/office/drawing/2014/main" id="{D0244DB7-1D8B-4CE1-AE30-7CD751B9BC3B}"/>
-              </a:ext>
-            </a:extLst>
-          </p:cNvPr>
-          <p:cNvSpPr>
-            <a:spLocks noGrp="1"/>
-          </p:cNvSpPr>
-          <p:nvPr>
-            <p:ph type="title"/>
-          </p:nvPr>
-        </p:nvSpPr>
-        <p:spPr>
-          <a:xfrm>
-            <a:off x="838200" y="748146"/>
-            <a:ext cx="10515600" cy="5361708"/>
-          </a:xfrm>
-        </p:spPr>
-        <p:txBody>
-          <a:bodyPr>
-            <a:noAutofit/>
-          </a:bodyPr>
-          <a:lstStyle/>
-          <a:p>
-            <a:pPr algn="l"/>
-            <a:r>
-              <a:rPr lang="en-CA" sz="3600" dirty="0">
-                <a:solidFill>
-                  <a:schemeClr val="bg2"/>
-                </a:solidFill>
-              </a:rPr>
-              <a:t>EXERCICE</a:t>
-            </a:r>
-            <a:br>
-              <a:rPr lang="en-CA" sz="3600" dirty="0"/>
-            </a:br>
-            <a:r>
-              <a:rPr lang="en-CA" sz="3600" dirty="0">
-                <a:solidFill>
-                  <a:schemeClr val="accent2"/>
-                </a:solidFill>
-              </a:rPr>
-              <a:t>MODIFIEZ</a:t>
-            </a:r>
-            <a:r>
-              <a:rPr lang="en-CA" sz="3600" dirty="0"/>
-              <a:t> LE CODE POUR QUE LORSQUE NOUS MAINTENONS L’INTERRUPTEUR ENFOCÉ, LA DEL </a:t>
-            </a:r>
-            <a:r>
-              <a:rPr lang="en-CA" sz="3600" dirty="0">
-                <a:solidFill>
-                  <a:schemeClr val="accent5"/>
-                </a:solidFill>
-              </a:rPr>
-              <a:t>CLIGNOTE</a:t>
-            </a:r>
-            <a:r>
-              <a:rPr lang="en-CA" sz="3600" dirty="0"/>
-              <a:t>. </a:t>
-            </a:r>
-            <a:endParaRPr lang="fr-CA" sz="3600" dirty="0">
-              <a:solidFill>
-                <a:schemeClr val="accent4"/>
-              </a:solidFill>
-            </a:endParaRPr>
-          </a:p>
-        </p:txBody>
-      </p:sp>
-    </p:spTree>
-    <p:extLst>
-      <p:ext uri="{BB962C8B-B14F-4D97-AF65-F5344CB8AC3E}">
-        <p14:creationId xmlns:p14="http://schemas.microsoft.com/office/powerpoint/2010/main" val="3649137254"/>
-      </p:ext>
-    </p:extLst>
-  </p:cSld>
-  <p:clrMapOvr>
-    <a:masterClrMapping/>
-  </p:clrMapOvr>
-</p:sld>
-</file>
-
-<file path=ppt/slides/slide9.xml><?xml version="1.0" encoding="utf-8"?>
-<p:sld xmlns:a="http://schemas.openxmlformats.org/drawingml/2006/main" xmlns:r="http://schemas.openxmlformats.org/officeDocument/2006/relationships" xmlns:p="http://schemas.openxmlformats.org/presentationml/2006/main">
-  <p:cSld>
-    <p:spTree>
-      <p:nvGrpSpPr>
-        <p:cNvPr id="1" name=""/>
-        <p:cNvGrpSpPr/>
-        <p:nvPr/>
-      </p:nvGrpSpPr>
-      <p:grpSpPr>
-        <a:xfrm>
-          <a:off x="0" y="0"/>
-          <a:ext cx="0" cy="0"/>
-          <a:chOff x="0" y="0"/>
-          <a:chExt cx="0" cy="0"/>
-        </a:xfrm>
-      </p:grpSpPr>
-      <p:sp>
-        <p:nvSpPr>
-          <p:cNvPr id="2" name="Titre 1">
-            <a:extLst>
-              <a:ext uri="{FF2B5EF4-FFF2-40B4-BE49-F238E27FC236}">
-                <a16:creationId xmlns:a16="http://schemas.microsoft.com/office/drawing/2014/main" id="{676ED010-6DB0-46D4-BAA0-1C35D2750C9F}"/>
-              </a:ext>
-            </a:extLst>
-          </p:cNvPr>
-          <p:cNvSpPr>
-            <a:spLocks noGrp="1"/>
-          </p:cNvSpPr>
-          <p:nvPr>
-            <p:ph type="title"/>
-          </p:nvPr>
-        </p:nvSpPr>
-        <p:spPr/>
-        <p:txBody>
-          <a:bodyPr/>
-          <a:lstStyle/>
-          <a:p>
-            <a:r>
-              <a:rPr lang="en-CA" dirty="0"/>
-              <a:t>INCRÉMENTATION ET </a:t>
-            </a:r>
-            <a:r>
-              <a:rPr lang="en-CA" i="1" dirty="0"/>
-              <a:t>FOR</a:t>
-            </a:r>
-            <a:endParaRPr lang="fr-CA" i="1" dirty="0"/>
-          </a:p>
-        </p:txBody>
-      </p:sp>
-      <p:sp>
-        <p:nvSpPr>
-          <p:cNvPr id="3" name="Espace réservé du contenu 2">
-            <a:extLst>
-              <a:ext uri="{FF2B5EF4-FFF2-40B4-BE49-F238E27FC236}">
-                <a16:creationId xmlns:a16="http://schemas.microsoft.com/office/drawing/2014/main" id="{57F9F027-A7F0-4BCC-AAE0-10030051160D}"/>
-              </a:ext>
-            </a:extLst>
-          </p:cNvPr>
-          <p:cNvSpPr>
-            <a:spLocks noGrp="1"/>
-          </p:cNvSpPr>
-          <p:nvPr>
-            <p:ph idx="1"/>
-          </p:nvPr>
-        </p:nvSpPr>
-        <p:spPr>
-          <a:xfrm>
-            <a:off x="838200" y="1320800"/>
-            <a:ext cx="10515600" cy="4351338"/>
-          </a:xfrm>
-        </p:spPr>
-        <p:txBody>
-          <a:bodyPr/>
-          <a:lstStyle/>
-          <a:p>
-            <a:pPr marL="0" indent="0">
-              <a:buNone/>
-            </a:pPr>
-            <a:r>
-              <a:rPr lang="fr-CA" dirty="0"/>
-              <a:t>Il est possible d’appliquer aux valeurs des variables diverses opérations mathématiques. Commençons tout de suite par un petit exemple: </a:t>
-            </a:r>
-            <a:r>
-              <a:rPr lang="fr-CA" i="1" dirty="0"/>
-              <a:t>l’incrémentation</a:t>
-            </a:r>
-            <a:r>
-              <a:rPr lang="fr-CA" dirty="0"/>
-              <a:t>. Il s’agit simplement d’additionner 1 à une variable. </a:t>
-            </a:r>
-          </a:p>
-          <a:p>
-            <a:pPr marL="0" indent="0">
-              <a:buNone/>
-            </a:pPr>
-            <a:r>
-              <a:rPr lang="fr-CA" dirty="0"/>
-              <a:t>Cela se fait grâce à : </a:t>
-            </a:r>
-            <a:r>
-              <a:rPr lang="fr-CA" i="1" dirty="0"/>
-              <a:t>variable++ </a:t>
-            </a:r>
-            <a:r>
-              <a:rPr lang="fr-CA" dirty="0"/>
-              <a:t>ou</a:t>
-            </a:r>
-            <a:r>
-              <a:rPr lang="fr-CA" i="1" dirty="0"/>
-              <a:t> </a:t>
-            </a:r>
-            <a:r>
-              <a:rPr lang="fr-CA" dirty="0"/>
-              <a:t>variable = variable + 1</a:t>
-            </a:r>
-          </a:p>
-          <a:p>
-            <a:pPr marL="0" indent="0">
-              <a:buNone/>
-            </a:pPr>
-            <a:r>
-              <a:rPr lang="fr-CA" dirty="0"/>
-              <a:t>Dans l’exemple suivant, ajoutez le code suivant au projet précédent pour faire clignoter la DEL 5 fois au démarrage.</a:t>
-            </a:r>
-          </a:p>
-        </p:txBody>
-      </p:sp>
-      <p:pic>
-        <p:nvPicPr>
-          <p:cNvPr id="4" name="Image 3">
-            <a:extLst>
-              <a:ext uri="{FF2B5EF4-FFF2-40B4-BE49-F238E27FC236}">
-                <a16:creationId xmlns:a16="http://schemas.microsoft.com/office/drawing/2014/main" id="{7409E5A4-6145-40CA-8857-0330CF10F322}"/>
-              </a:ext>
-            </a:extLst>
-          </p:cNvPr>
-          <p:cNvPicPr>
-            <a:picLocks noChangeAspect="1"/>
-          </p:cNvPicPr>
-          <p:nvPr/>
-        </p:nvPicPr>
-        <p:blipFill rotWithShape="1">
-          <a:blip r:embed="rId2"/>
-          <a:srcRect r="8350"/>
-          <a:stretch/>
-        </p:blipFill>
-        <p:spPr>
-          <a:xfrm>
-            <a:off x="3659697" y="3180795"/>
-            <a:ext cx="2436303" cy="3312080"/>
-          </a:xfrm>
-          <a:prstGeom prst="rect">
-            <a:avLst/>
-          </a:prstGeom>
-        </p:spPr>
-      </p:pic>
-      <p:pic>
-        <p:nvPicPr>
-          <p:cNvPr id="5" name="Image 4">
-            <a:extLst>
-              <a:ext uri="{FF2B5EF4-FFF2-40B4-BE49-F238E27FC236}">
-                <a16:creationId xmlns:a16="http://schemas.microsoft.com/office/drawing/2014/main" id="{55076CDF-B7DA-4242-A8B1-CBDAB52F9C11}"/>
-              </a:ext>
-            </a:extLst>
-          </p:cNvPr>
-          <p:cNvPicPr>
-            <a:picLocks noChangeAspect="1"/>
-          </p:cNvPicPr>
-          <p:nvPr/>
-        </p:nvPicPr>
-        <p:blipFill>
-          <a:blip r:embed="rId3"/>
-          <a:stretch>
-            <a:fillRect/>
-          </a:stretch>
-        </p:blipFill>
-        <p:spPr>
-          <a:xfrm>
-            <a:off x="904875" y="3057526"/>
-            <a:ext cx="2565231" cy="3570287"/>
-          </a:xfrm>
-          <a:prstGeom prst="rect">
-            <a:avLst/>
-          </a:prstGeom>
-        </p:spPr>
-      </p:pic>
-      <p:pic>
-        <p:nvPicPr>
-          <p:cNvPr id="6" name="Image 5">
-            <a:extLst>
-              <a:ext uri="{FF2B5EF4-FFF2-40B4-BE49-F238E27FC236}">
-                <a16:creationId xmlns:a16="http://schemas.microsoft.com/office/drawing/2014/main" id="{3C42CD83-1801-478A-9A23-25B81F2BBEBC}"/>
-              </a:ext>
-            </a:extLst>
-          </p:cNvPr>
-          <p:cNvPicPr>
-            <a:picLocks noChangeAspect="1"/>
-          </p:cNvPicPr>
-          <p:nvPr/>
-        </p:nvPicPr>
-        <p:blipFill>
-          <a:blip r:embed="rId4"/>
-          <a:stretch>
-            <a:fillRect/>
-          </a:stretch>
-        </p:blipFill>
-        <p:spPr>
-          <a:xfrm>
-            <a:off x="6470725" y="3671609"/>
-            <a:ext cx="5048955" cy="2000529"/>
-          </a:xfrm>
-          <a:prstGeom prst="rect">
-            <a:avLst/>
-          </a:prstGeom>
-        </p:spPr>
-      </p:pic>
-    </p:spTree>
-    <p:extLst>
-      <p:ext uri="{BB962C8B-B14F-4D97-AF65-F5344CB8AC3E}">
-        <p14:creationId xmlns:p14="http://schemas.microsoft.com/office/powerpoint/2010/main" val="2848496149"/>
       </p:ext>
     </p:extLst>
   </p:cSld>
